--- a/report/프로젝트 계획서.pptx
+++ b/report/프로젝트 계획서.pptx
@@ -2,7 +2,7 @@
 <file path=ppt/presentation.xml><?xml version="1.0" encoding="utf-8"?>
 <p:presentation xmlns:a="http://schemas.openxmlformats.org/drawingml/2006/main" xmlns:r="http://schemas.openxmlformats.org/officeDocument/2006/relationships" xmlns:p="http://schemas.openxmlformats.org/presentationml/2006/main" saveSubsetFonts="1">
   <p:sldMasterIdLst>
-    <p:sldMasterId id="2147483648" r:id="rId1"/>
+    <p:sldMasterId id="2147483720" r:id="rId1"/>
   </p:sldMasterIdLst>
   <p:sldIdLst>
     <p:sldId id="256" r:id="rId2"/>
@@ -12,7 +12,11 @@
     <p:sldId id="260" r:id="rId6"/>
     <p:sldId id="261" r:id="rId7"/>
     <p:sldId id="262" r:id="rId8"/>
-    <p:sldId id="263" r:id="rId9"/>
+    <p:sldId id="264" r:id="rId9"/>
+    <p:sldId id="269" r:id="rId10"/>
+    <p:sldId id="263" r:id="rId11"/>
+    <p:sldId id="266" r:id="rId12"/>
+    <p:sldId id="268" r:id="rId13"/>
   </p:sldIdLst>
   <p:sldSz cx="9144000" cy="6858000" type="screen4x3"/>
   <p:notesSz cx="6858000" cy="9144000"/>
@@ -296,7 +300,7 @@
             <a:fld id="{38C37E86-0BEC-4C8C-9CE1-D2568001435A}" type="datetimeFigureOut">
               <a:rPr lang="ko-KR" altLang="en-US" smtClean="0"/>
               <a:pPr/>
-              <a:t>2017-09-07</a:t>
+              <a:t>2017-09-14</a:t>
             </a:fld>
             <a:endParaRPr lang="ko-KR" altLang="en-US"/>
           </a:p>
@@ -463,7 +467,7 @@
             <a:fld id="{38C37E86-0BEC-4C8C-9CE1-D2568001435A}" type="datetimeFigureOut">
               <a:rPr lang="ko-KR" altLang="en-US" smtClean="0"/>
               <a:pPr/>
-              <a:t>2017-09-07</a:t>
+              <a:t>2017-09-14</a:t>
             </a:fld>
             <a:endParaRPr lang="ko-KR" altLang="en-US"/>
           </a:p>
@@ -640,7 +644,7 @@
             <a:fld id="{38C37E86-0BEC-4C8C-9CE1-D2568001435A}" type="datetimeFigureOut">
               <a:rPr lang="ko-KR" altLang="en-US" smtClean="0"/>
               <a:pPr/>
-              <a:t>2017-09-07</a:t>
+              <a:t>2017-09-14</a:t>
             </a:fld>
             <a:endParaRPr lang="ko-KR" altLang="en-US"/>
           </a:p>
@@ -807,7 +811,7 @@
             <a:fld id="{38C37E86-0BEC-4C8C-9CE1-D2568001435A}" type="datetimeFigureOut">
               <a:rPr lang="ko-KR" altLang="en-US" smtClean="0"/>
               <a:pPr/>
-              <a:t>2017-09-07</a:t>
+              <a:t>2017-09-14</a:t>
             </a:fld>
             <a:endParaRPr lang="ko-KR" altLang="en-US"/>
           </a:p>
@@ -1050,7 +1054,7 @@
             <a:fld id="{38C37E86-0BEC-4C8C-9CE1-D2568001435A}" type="datetimeFigureOut">
               <a:rPr lang="ko-KR" altLang="en-US" smtClean="0"/>
               <a:pPr/>
-              <a:t>2017-09-07</a:t>
+              <a:t>2017-09-14</a:t>
             </a:fld>
             <a:endParaRPr lang="ko-KR" altLang="en-US"/>
           </a:p>
@@ -1335,7 +1339,7 @@
             <a:fld id="{38C37E86-0BEC-4C8C-9CE1-D2568001435A}" type="datetimeFigureOut">
               <a:rPr lang="ko-KR" altLang="en-US" smtClean="0"/>
               <a:pPr/>
-              <a:t>2017-09-07</a:t>
+              <a:t>2017-09-14</a:t>
             </a:fld>
             <a:endParaRPr lang="ko-KR" altLang="en-US"/>
           </a:p>
@@ -1754,7 +1758,7 @@
             <a:fld id="{38C37E86-0BEC-4C8C-9CE1-D2568001435A}" type="datetimeFigureOut">
               <a:rPr lang="ko-KR" altLang="en-US" smtClean="0"/>
               <a:pPr/>
-              <a:t>2017-09-07</a:t>
+              <a:t>2017-09-14</a:t>
             </a:fld>
             <a:endParaRPr lang="ko-KR" altLang="en-US"/>
           </a:p>
@@ -1869,7 +1873,7 @@
             <a:fld id="{38C37E86-0BEC-4C8C-9CE1-D2568001435A}" type="datetimeFigureOut">
               <a:rPr lang="ko-KR" altLang="en-US" smtClean="0"/>
               <a:pPr/>
-              <a:t>2017-09-07</a:t>
+              <a:t>2017-09-14</a:t>
             </a:fld>
             <a:endParaRPr lang="ko-KR" altLang="en-US"/>
           </a:p>
@@ -1961,7 +1965,7 @@
             <a:fld id="{38C37E86-0BEC-4C8C-9CE1-D2568001435A}" type="datetimeFigureOut">
               <a:rPr lang="ko-KR" altLang="en-US" smtClean="0"/>
               <a:pPr/>
-              <a:t>2017-09-07</a:t>
+              <a:t>2017-09-14</a:t>
             </a:fld>
             <a:endParaRPr lang="ko-KR" altLang="en-US"/>
           </a:p>
@@ -2235,7 +2239,7 @@
             <a:fld id="{38C37E86-0BEC-4C8C-9CE1-D2568001435A}" type="datetimeFigureOut">
               <a:rPr lang="ko-KR" altLang="en-US" smtClean="0"/>
               <a:pPr/>
-              <a:t>2017-09-07</a:t>
+              <a:t>2017-09-14</a:t>
             </a:fld>
             <a:endParaRPr lang="ko-KR" altLang="en-US"/>
           </a:p>
@@ -2485,7 +2489,7 @@
             <a:fld id="{38C37E86-0BEC-4C8C-9CE1-D2568001435A}" type="datetimeFigureOut">
               <a:rPr lang="ko-KR" altLang="en-US" smtClean="0"/>
               <a:pPr/>
-              <a:t>2017-09-07</a:t>
+              <a:t>2017-09-14</a:t>
             </a:fld>
             <a:endParaRPr lang="ko-KR" altLang="en-US"/>
           </a:p>
@@ -2695,7 +2699,7 @@
             <a:fld id="{38C37E86-0BEC-4C8C-9CE1-D2568001435A}" type="datetimeFigureOut">
               <a:rPr lang="ko-KR" altLang="en-US" smtClean="0"/>
               <a:pPr/>
-              <a:t>2017-09-07</a:t>
+              <a:t>2017-09-14</a:t>
             </a:fld>
             <a:endParaRPr lang="ko-KR" altLang="en-US"/>
           </a:p>
@@ -2784,17 +2788,17 @@
   </p:cSld>
   <p:clrMap bg1="lt1" tx1="dk1" bg2="lt2" tx2="dk2" accent1="accent1" accent2="accent2" accent3="accent3" accent4="accent4" accent5="accent5" accent6="accent6" hlink="hlink" folHlink="folHlink"/>
   <p:sldLayoutIdLst>
-    <p:sldLayoutId id="2147483649" r:id="rId1"/>
-    <p:sldLayoutId id="2147483650" r:id="rId2"/>
-    <p:sldLayoutId id="2147483651" r:id="rId3"/>
-    <p:sldLayoutId id="2147483652" r:id="rId4"/>
-    <p:sldLayoutId id="2147483653" r:id="rId5"/>
-    <p:sldLayoutId id="2147483654" r:id="rId6"/>
-    <p:sldLayoutId id="2147483655" r:id="rId7"/>
-    <p:sldLayoutId id="2147483656" r:id="rId8"/>
-    <p:sldLayoutId id="2147483657" r:id="rId9"/>
-    <p:sldLayoutId id="2147483658" r:id="rId10"/>
-    <p:sldLayoutId id="2147483659" r:id="rId11"/>
+    <p:sldLayoutId id="2147483721" r:id="rId1"/>
+    <p:sldLayoutId id="2147483722" r:id="rId2"/>
+    <p:sldLayoutId id="2147483723" r:id="rId3"/>
+    <p:sldLayoutId id="2147483724" r:id="rId4"/>
+    <p:sldLayoutId id="2147483725" r:id="rId5"/>
+    <p:sldLayoutId id="2147483726" r:id="rId6"/>
+    <p:sldLayoutId id="2147483727" r:id="rId7"/>
+    <p:sldLayoutId id="2147483728" r:id="rId8"/>
+    <p:sldLayoutId id="2147483729" r:id="rId9"/>
+    <p:sldLayoutId id="2147483730" r:id="rId10"/>
+    <p:sldLayoutId id="2147483731" r:id="rId11"/>
   </p:sldLayoutIdLst>
   <p:txStyles>
     <p:titleStyle>
@@ -3243,6 +3247,693 @@
   <p:clrMapOvr>
     <a:masterClrMapping/>
   </p:clrMapOvr>
+  <p:transition>
+    <p:fade/>
+  </p:transition>
+  <p:timing>
+    <p:tnLst>
+      <p:par>
+        <p:cTn id="1" dur="indefinite" restart="never" nodeType="tmRoot"/>
+      </p:par>
+    </p:tnLst>
+  </p:timing>
+</p:sld>
+</file>
+
+<file path=ppt/slides/slide10.xml><?xml version="1.0" encoding="utf-8"?>
+<p:sld xmlns:a="http://schemas.openxmlformats.org/drawingml/2006/main" xmlns:r="http://schemas.openxmlformats.org/officeDocument/2006/relationships" xmlns:p="http://schemas.openxmlformats.org/presentationml/2006/main">
+  <p:cSld>
+    <p:spTree>
+      <p:nvGrpSpPr>
+        <p:cNvPr id="1" name=""/>
+        <p:cNvGrpSpPr/>
+        <p:nvPr/>
+      </p:nvGrpSpPr>
+      <p:grpSpPr>
+        <a:xfrm>
+          <a:off x="0" y="0"/>
+          <a:ext cx="0" cy="0"/>
+          <a:chOff x="0" y="0"/>
+          <a:chExt cx="0" cy="0"/>
+        </a:xfrm>
+      </p:grpSpPr>
+      <p:pic>
+        <p:nvPicPr>
+          <p:cNvPr id="4" name="그림 3" descr="arduino.png"/>
+          <p:cNvPicPr>
+            <a:picLocks noChangeAspect="1"/>
+          </p:cNvPicPr>
+          <p:nvPr/>
+        </p:nvPicPr>
+        <p:blipFill>
+          <a:blip r:embed="rId2" cstate="print"/>
+          <a:stretch>
+            <a:fillRect/>
+          </a:stretch>
+        </p:blipFill>
+        <p:spPr>
+          <a:xfrm>
+            <a:off x="1115616" y="-27384"/>
+            <a:ext cx="6885384" cy="6885384"/>
+          </a:xfrm>
+          <a:prstGeom prst="rect">
+            <a:avLst/>
+          </a:prstGeom>
+        </p:spPr>
+      </p:pic>
+      <p:sp>
+        <p:nvSpPr>
+          <p:cNvPr id="2" name="TextBox 1"/>
+          <p:cNvSpPr txBox="1"/>
+          <p:nvPr/>
+        </p:nvSpPr>
+        <p:spPr>
+          <a:xfrm>
+            <a:off x="323528" y="344850"/>
+            <a:ext cx="8856984" cy="707886"/>
+          </a:xfrm>
+          <a:prstGeom prst="rect">
+            <a:avLst/>
+          </a:prstGeom>
+          <a:noFill/>
+        </p:spPr>
+        <p:txBody>
+          <a:bodyPr wrap="square" rtlCol="0">
+            <a:spAutoFit/>
+          </a:bodyPr>
+          <a:lstStyle/>
+          <a:p>
+            <a:r>
+              <a:rPr lang="ko-KR" altLang="en-US" sz="4000" dirty="0" smtClean="0"/>
+              <a:t>개발 일지</a:t>
+            </a:r>
+            <a:endParaRPr lang="ko-KR" altLang="en-US" sz="4000" dirty="0"/>
+          </a:p>
+        </p:txBody>
+      </p:sp>
+      <p:sp>
+        <p:nvSpPr>
+          <p:cNvPr id="3" name="TextBox 2"/>
+          <p:cNvSpPr txBox="1"/>
+          <p:nvPr/>
+        </p:nvSpPr>
+        <p:spPr>
+          <a:xfrm>
+            <a:off x="323528" y="1340768"/>
+            <a:ext cx="8424936" cy="5016758"/>
+          </a:xfrm>
+          <a:prstGeom prst="rect">
+            <a:avLst/>
+          </a:prstGeom>
+          <a:noFill/>
+        </p:spPr>
+        <p:txBody>
+          <a:bodyPr wrap="square" rtlCol="0">
+            <a:spAutoFit/>
+          </a:bodyPr>
+          <a:lstStyle/>
+          <a:p>
+            <a:r>
+              <a:rPr lang="ko-KR" altLang="en-US" sz="3200" dirty="0" smtClean="0"/>
+              <a:t>작성일</a:t>
+            </a:r>
+            <a:r>
+              <a:rPr lang="en-US" altLang="ko-KR" sz="3200" dirty="0" smtClean="0"/>
+              <a:t>: 2017</a:t>
+            </a:r>
+            <a:r>
+              <a:rPr lang="ko-KR" altLang="en-US" sz="3200" dirty="0" smtClean="0"/>
+              <a:t>년</a:t>
+            </a:r>
+            <a:r>
+              <a:rPr lang="en-US" altLang="ko-KR" sz="3200" dirty="0" smtClean="0"/>
+              <a:t> 9</a:t>
+            </a:r>
+            <a:r>
+              <a:rPr lang="ko-KR" altLang="en-US" sz="3200" dirty="0" smtClean="0"/>
+              <a:t>월</a:t>
+            </a:r>
+            <a:r>
+              <a:rPr lang="en-US" altLang="ko-KR" sz="3200" dirty="0" smtClean="0"/>
+              <a:t> 7</a:t>
+            </a:r>
+            <a:r>
+              <a:rPr lang="ko-KR" altLang="en-US" sz="3200" dirty="0" smtClean="0"/>
+              <a:t>일</a:t>
+            </a:r>
+            <a:endParaRPr lang="en-US" altLang="ko-KR" sz="3200" dirty="0" smtClean="0"/>
+          </a:p>
+          <a:p>
+            <a:endParaRPr lang="en-US" altLang="ko-KR" sz="3200" dirty="0" smtClean="0"/>
+          </a:p>
+          <a:p>
+            <a:r>
+              <a:rPr lang="ko-KR" altLang="en-US" sz="3200" dirty="0" smtClean="0"/>
+              <a:t>작성인</a:t>
+            </a:r>
+            <a:r>
+              <a:rPr lang="en-US" altLang="ko-KR" sz="3200" dirty="0" smtClean="0"/>
+              <a:t>: </a:t>
+            </a:r>
+            <a:r>
+              <a:rPr lang="ko-KR" altLang="en-US" sz="3200" dirty="0" smtClean="0"/>
+              <a:t>최광현 </a:t>
+            </a:r>
+            <a:endParaRPr lang="en-US" altLang="ko-KR" sz="3200" dirty="0" smtClean="0"/>
+          </a:p>
+          <a:p>
+            <a:endParaRPr lang="en-US" altLang="ko-KR" sz="3200" dirty="0" smtClean="0"/>
+          </a:p>
+          <a:p>
+            <a:r>
+              <a:rPr lang="ko-KR" altLang="en-US" sz="3200" dirty="0" smtClean="0"/>
+              <a:t>내용</a:t>
+            </a:r>
+            <a:r>
+              <a:rPr lang="en-US" altLang="ko-KR" sz="3200" dirty="0" smtClean="0"/>
+              <a:t>: </a:t>
+            </a:r>
+            <a:r>
+              <a:rPr lang="ko-KR" altLang="en-US" sz="3200" dirty="0" smtClean="0"/>
+              <a:t>쓰레기통 뚜껑에 </a:t>
+            </a:r>
+            <a:r>
+              <a:rPr lang="ko-KR" altLang="en-US" sz="3200" dirty="0" err="1" smtClean="0"/>
+              <a:t>서보</a:t>
+            </a:r>
+            <a:r>
+              <a:rPr lang="ko-KR" altLang="en-US" sz="3200" dirty="0" smtClean="0"/>
+              <a:t> 모터를 달고 </a:t>
+            </a:r>
+            <a:r>
+              <a:rPr lang="ko-KR" altLang="en-US" sz="3200" dirty="0" err="1" smtClean="0"/>
+              <a:t>서보</a:t>
+            </a:r>
+            <a:r>
+              <a:rPr lang="ko-KR" altLang="en-US" sz="3200" dirty="0" smtClean="0"/>
+              <a:t> 모터에 낚싯줄을 연결하고 다른 쪽 낚싯줄을 쓰레기통 뚜껑에 연결한다</a:t>
+            </a:r>
+            <a:r>
+              <a:rPr lang="en-US" altLang="ko-KR" sz="3200" dirty="0" smtClean="0"/>
+              <a:t>. </a:t>
+            </a:r>
+            <a:r>
+              <a:rPr lang="ko-KR" altLang="en-US" sz="3200" dirty="0" err="1" smtClean="0"/>
+              <a:t>서보</a:t>
+            </a:r>
+            <a:r>
+              <a:rPr lang="ko-KR" altLang="en-US" sz="3200" dirty="0" smtClean="0"/>
+              <a:t> 모터가 돌아 가면서 쓰레기 통 뚜껑이 열린다</a:t>
+            </a:r>
+            <a:r>
+              <a:rPr lang="en-US" altLang="ko-KR" sz="3200" dirty="0" smtClean="0"/>
+              <a:t>.</a:t>
+            </a:r>
+            <a:r>
+              <a:rPr lang="ko-KR" altLang="en-US" sz="3200" dirty="0" smtClean="0"/>
+              <a:t> 쓰레기통에 구멍 두 개를 뚫어서 초음파 센서가 들어 갈수 있게 한다</a:t>
+            </a:r>
+            <a:r>
+              <a:rPr lang="en-US" altLang="ko-KR" sz="3200" dirty="0" smtClean="0"/>
+              <a:t>.</a:t>
+            </a:r>
+            <a:r>
+              <a:rPr lang="ko-KR" altLang="en-US" sz="3200" dirty="0" smtClean="0"/>
+              <a:t> </a:t>
+            </a:r>
+            <a:endParaRPr lang="ko-KR" altLang="en-US" sz="3200" dirty="0"/>
+          </a:p>
+        </p:txBody>
+      </p:sp>
+    </p:spTree>
+  </p:cSld>
+  <p:clrMapOvr>
+    <a:masterClrMapping/>
+  </p:clrMapOvr>
+  <p:transition>
+    <p:wipe dir="u"/>
+  </p:transition>
+  <p:timing>
+    <p:tnLst>
+      <p:par>
+        <p:cTn id="1" dur="indefinite" restart="never" nodeType="tmRoot"/>
+      </p:par>
+    </p:tnLst>
+  </p:timing>
+</p:sld>
+</file>
+
+<file path=ppt/slides/slide11.xml><?xml version="1.0" encoding="utf-8"?>
+<p:sld xmlns:a="http://schemas.openxmlformats.org/drawingml/2006/main" xmlns:r="http://schemas.openxmlformats.org/officeDocument/2006/relationships" xmlns:p="http://schemas.openxmlformats.org/presentationml/2006/main">
+  <p:cSld>
+    <p:spTree>
+      <p:nvGrpSpPr>
+        <p:cNvPr id="1" name=""/>
+        <p:cNvGrpSpPr/>
+        <p:nvPr/>
+      </p:nvGrpSpPr>
+      <p:grpSpPr>
+        <a:xfrm>
+          <a:off x="0" y="0"/>
+          <a:ext cx="0" cy="0"/>
+          <a:chOff x="0" y="0"/>
+          <a:chExt cx="0" cy="0"/>
+        </a:xfrm>
+      </p:grpSpPr>
+      <p:pic>
+        <p:nvPicPr>
+          <p:cNvPr id="4" name="그림 3" descr="arduino.png"/>
+          <p:cNvPicPr>
+            <a:picLocks noChangeAspect="1"/>
+          </p:cNvPicPr>
+          <p:nvPr/>
+        </p:nvPicPr>
+        <p:blipFill>
+          <a:blip r:embed="rId2" cstate="print"/>
+          <a:stretch>
+            <a:fillRect/>
+          </a:stretch>
+        </p:blipFill>
+        <p:spPr>
+          <a:xfrm>
+            <a:off x="1115616" y="-27384"/>
+            <a:ext cx="6885384" cy="6885384"/>
+          </a:xfrm>
+          <a:prstGeom prst="rect">
+            <a:avLst/>
+          </a:prstGeom>
+        </p:spPr>
+      </p:pic>
+      <p:sp>
+        <p:nvSpPr>
+          <p:cNvPr id="2" name="TextBox 1"/>
+          <p:cNvSpPr txBox="1"/>
+          <p:nvPr/>
+        </p:nvSpPr>
+        <p:spPr>
+          <a:xfrm>
+            <a:off x="323528" y="344850"/>
+            <a:ext cx="8856984" cy="707886"/>
+          </a:xfrm>
+          <a:prstGeom prst="rect">
+            <a:avLst/>
+          </a:prstGeom>
+          <a:noFill/>
+        </p:spPr>
+        <p:txBody>
+          <a:bodyPr wrap="square" rtlCol="0">
+            <a:spAutoFit/>
+          </a:bodyPr>
+          <a:lstStyle/>
+          <a:p>
+            <a:r>
+              <a:rPr lang="ko-KR" altLang="en-US" sz="4000" dirty="0" smtClean="0"/>
+              <a:t>개발 일지</a:t>
+            </a:r>
+            <a:endParaRPr lang="ko-KR" altLang="en-US" sz="4000" dirty="0"/>
+          </a:p>
+        </p:txBody>
+      </p:sp>
+      <p:sp>
+        <p:nvSpPr>
+          <p:cNvPr id="3" name="TextBox 2"/>
+          <p:cNvSpPr txBox="1"/>
+          <p:nvPr/>
+        </p:nvSpPr>
+        <p:spPr>
+          <a:xfrm>
+            <a:off x="323528" y="1340768"/>
+            <a:ext cx="8424936" cy="2554545"/>
+          </a:xfrm>
+          <a:prstGeom prst="rect">
+            <a:avLst/>
+          </a:prstGeom>
+          <a:noFill/>
+        </p:spPr>
+        <p:txBody>
+          <a:bodyPr wrap="square" rtlCol="0">
+            <a:spAutoFit/>
+          </a:bodyPr>
+          <a:lstStyle/>
+          <a:p>
+            <a:r>
+              <a:rPr lang="ko-KR" altLang="en-US" sz="3200" dirty="0" smtClean="0"/>
+              <a:t>작성일</a:t>
+            </a:r>
+            <a:r>
+              <a:rPr lang="en-US" altLang="ko-KR" sz="3200" dirty="0" smtClean="0"/>
+              <a:t>: 2017</a:t>
+            </a:r>
+            <a:r>
+              <a:rPr lang="ko-KR" altLang="en-US" sz="3200" dirty="0" smtClean="0"/>
+              <a:t>년</a:t>
+            </a:r>
+            <a:r>
+              <a:rPr lang="en-US" altLang="ko-KR" sz="3200" dirty="0" smtClean="0"/>
+              <a:t> 9</a:t>
+            </a:r>
+            <a:r>
+              <a:rPr lang="ko-KR" altLang="en-US" sz="3200" dirty="0" smtClean="0"/>
+              <a:t>월</a:t>
+            </a:r>
+            <a:r>
+              <a:rPr lang="en-US" altLang="ko-KR" sz="3200" dirty="0" smtClean="0"/>
+              <a:t> 14</a:t>
+            </a:r>
+            <a:r>
+              <a:rPr lang="ko-KR" altLang="en-US" sz="3200" dirty="0" smtClean="0"/>
+              <a:t>일</a:t>
+            </a:r>
+            <a:endParaRPr lang="en-US" altLang="ko-KR" sz="3200" dirty="0" smtClean="0"/>
+          </a:p>
+          <a:p>
+            <a:endParaRPr lang="en-US" altLang="ko-KR" sz="3200" dirty="0" smtClean="0"/>
+          </a:p>
+          <a:p>
+            <a:r>
+              <a:rPr lang="ko-KR" altLang="en-US" sz="3200" dirty="0" smtClean="0"/>
+              <a:t>작성인</a:t>
+            </a:r>
+            <a:r>
+              <a:rPr lang="en-US" altLang="ko-KR" sz="3200" dirty="0" smtClean="0"/>
+              <a:t>: </a:t>
+            </a:r>
+            <a:r>
+              <a:rPr lang="ko-KR" altLang="en-US" sz="3200" dirty="0" smtClean="0"/>
+              <a:t>최광현 </a:t>
+            </a:r>
+            <a:endParaRPr lang="en-US" altLang="ko-KR" sz="3200" dirty="0" smtClean="0"/>
+          </a:p>
+          <a:p>
+            <a:endParaRPr lang="en-US" altLang="ko-KR" sz="3200" dirty="0" smtClean="0"/>
+          </a:p>
+          <a:p>
+            <a:r>
+              <a:rPr lang="ko-KR" altLang="en-US" sz="3200" dirty="0" smtClean="0"/>
+              <a:t>내용</a:t>
+            </a:r>
+            <a:r>
+              <a:rPr lang="en-US" altLang="ko-KR" sz="3200" dirty="0" smtClean="0"/>
+              <a:t>: </a:t>
+            </a:r>
+            <a:r>
+              <a:rPr lang="ko-KR" altLang="en-US" sz="3200" dirty="0" smtClean="0"/>
+              <a:t>전선을 다 연결하고 코드를 짠다</a:t>
+            </a:r>
+            <a:r>
+              <a:rPr lang="en-US" altLang="ko-KR" sz="3200" dirty="0" smtClean="0"/>
+              <a:t>.</a:t>
+            </a:r>
+            <a:endParaRPr lang="ko-KR" altLang="en-US" sz="3200" dirty="0"/>
+          </a:p>
+        </p:txBody>
+      </p:sp>
+      <p:pic>
+        <p:nvPicPr>
+          <p:cNvPr id="5" name="그림 4" descr="code1.PNG"/>
+          <p:cNvPicPr>
+            <a:picLocks noChangeAspect="1"/>
+          </p:cNvPicPr>
+          <p:nvPr/>
+        </p:nvPicPr>
+        <p:blipFill>
+          <a:blip r:embed="rId3" cstate="print"/>
+          <a:stretch>
+            <a:fillRect/>
+          </a:stretch>
+        </p:blipFill>
+        <p:spPr>
+          <a:xfrm>
+            <a:off x="323528" y="4149080"/>
+            <a:ext cx="1459357" cy="1840390"/>
+          </a:xfrm>
+          <a:prstGeom prst="rect">
+            <a:avLst/>
+          </a:prstGeom>
+        </p:spPr>
+      </p:pic>
+      <p:pic>
+        <p:nvPicPr>
+          <p:cNvPr id="6" name="그림 5" descr="code2.PNG"/>
+          <p:cNvPicPr>
+            <a:picLocks noChangeAspect="1"/>
+          </p:cNvPicPr>
+          <p:nvPr/>
+        </p:nvPicPr>
+        <p:blipFill>
+          <a:blip r:embed="rId4" cstate="print"/>
+          <a:stretch>
+            <a:fillRect/>
+          </a:stretch>
+        </p:blipFill>
+        <p:spPr>
+          <a:xfrm>
+            <a:off x="1907704" y="4149080"/>
+            <a:ext cx="2278578" cy="1082134"/>
+          </a:xfrm>
+          <a:prstGeom prst="rect">
+            <a:avLst/>
+          </a:prstGeom>
+        </p:spPr>
+      </p:pic>
+      <p:pic>
+        <p:nvPicPr>
+          <p:cNvPr id="7" name="그림 6" descr="code3.PNG"/>
+          <p:cNvPicPr>
+            <a:picLocks noChangeAspect="1"/>
+          </p:cNvPicPr>
+          <p:nvPr/>
+        </p:nvPicPr>
+        <p:blipFill>
+          <a:blip r:embed="rId5" cstate="print"/>
+          <a:stretch>
+            <a:fillRect/>
+          </a:stretch>
+        </p:blipFill>
+        <p:spPr>
+          <a:xfrm>
+            <a:off x="4427984" y="4149080"/>
+            <a:ext cx="1047841" cy="2069009"/>
+          </a:xfrm>
+          <a:prstGeom prst="rect">
+            <a:avLst/>
+          </a:prstGeom>
+        </p:spPr>
+      </p:pic>
+      <p:pic>
+        <p:nvPicPr>
+          <p:cNvPr id="8" name="그림 7" descr="capyure.PNG"/>
+          <p:cNvPicPr>
+            <a:picLocks noChangeAspect="1"/>
+          </p:cNvPicPr>
+          <p:nvPr/>
+        </p:nvPicPr>
+        <p:blipFill>
+          <a:blip r:embed="rId6" cstate="print"/>
+          <a:stretch>
+            <a:fillRect/>
+          </a:stretch>
+        </p:blipFill>
+        <p:spPr>
+          <a:xfrm>
+            <a:off x="5796136" y="4293096"/>
+            <a:ext cx="2627783" cy="1361206"/>
+          </a:xfrm>
+          <a:prstGeom prst="rect">
+            <a:avLst/>
+          </a:prstGeom>
+        </p:spPr>
+      </p:pic>
+    </p:spTree>
+  </p:cSld>
+  <p:clrMapOvr>
+    <a:masterClrMapping/>
+  </p:clrMapOvr>
+  <p:transition>
+    <p:wedge/>
+  </p:transition>
+  <p:timing>
+    <p:tnLst>
+      <p:par>
+        <p:cTn id="1" dur="indefinite" restart="never" nodeType="tmRoot"/>
+      </p:par>
+    </p:tnLst>
+  </p:timing>
+</p:sld>
+</file>
+
+<file path=ppt/slides/slide12.xml><?xml version="1.0" encoding="utf-8"?>
+<p:sld xmlns:a="http://schemas.openxmlformats.org/drawingml/2006/main" xmlns:r="http://schemas.openxmlformats.org/officeDocument/2006/relationships" xmlns:p="http://schemas.openxmlformats.org/presentationml/2006/main">
+  <p:cSld>
+    <p:spTree>
+      <p:nvGrpSpPr>
+        <p:cNvPr id="1" name=""/>
+        <p:cNvGrpSpPr/>
+        <p:nvPr/>
+      </p:nvGrpSpPr>
+      <p:grpSpPr>
+        <a:xfrm>
+          <a:off x="0" y="0"/>
+          <a:ext cx="0" cy="0"/>
+          <a:chOff x="0" y="0"/>
+          <a:chExt cx="0" cy="0"/>
+        </a:xfrm>
+      </p:grpSpPr>
+      <p:pic>
+        <p:nvPicPr>
+          <p:cNvPr id="4" name="그림 3" descr="arduino.png"/>
+          <p:cNvPicPr>
+            <a:picLocks noChangeAspect="1"/>
+          </p:cNvPicPr>
+          <p:nvPr/>
+        </p:nvPicPr>
+        <p:blipFill>
+          <a:blip r:embed="rId2" cstate="print"/>
+          <a:stretch>
+            <a:fillRect/>
+          </a:stretch>
+        </p:blipFill>
+        <p:spPr>
+          <a:xfrm>
+            <a:off x="1115616" y="-27384"/>
+            <a:ext cx="6885384" cy="6885384"/>
+          </a:xfrm>
+          <a:prstGeom prst="rect">
+            <a:avLst/>
+          </a:prstGeom>
+        </p:spPr>
+      </p:pic>
+      <p:sp>
+        <p:nvSpPr>
+          <p:cNvPr id="2" name="TextBox 1"/>
+          <p:cNvSpPr txBox="1"/>
+          <p:nvPr/>
+        </p:nvSpPr>
+        <p:spPr>
+          <a:xfrm>
+            <a:off x="323528" y="344850"/>
+            <a:ext cx="8856984" cy="707886"/>
+          </a:xfrm>
+          <a:prstGeom prst="rect">
+            <a:avLst/>
+          </a:prstGeom>
+          <a:noFill/>
+        </p:spPr>
+        <p:txBody>
+          <a:bodyPr wrap="square" rtlCol="0">
+            <a:spAutoFit/>
+          </a:bodyPr>
+          <a:lstStyle/>
+          <a:p>
+            <a:r>
+              <a:rPr lang="ko-KR" altLang="en-US" sz="4000" dirty="0" smtClean="0"/>
+              <a:t>개발 일지</a:t>
+            </a:r>
+            <a:endParaRPr lang="ko-KR" altLang="en-US" sz="4000" dirty="0"/>
+          </a:p>
+        </p:txBody>
+      </p:sp>
+      <p:sp>
+        <p:nvSpPr>
+          <p:cNvPr id="3" name="TextBox 2"/>
+          <p:cNvSpPr txBox="1"/>
+          <p:nvPr/>
+        </p:nvSpPr>
+        <p:spPr>
+          <a:xfrm>
+            <a:off x="323528" y="1340768"/>
+            <a:ext cx="8424936" cy="2554545"/>
+          </a:xfrm>
+          <a:prstGeom prst="rect">
+            <a:avLst/>
+          </a:prstGeom>
+          <a:noFill/>
+        </p:spPr>
+        <p:txBody>
+          <a:bodyPr wrap="square" rtlCol="0">
+            <a:spAutoFit/>
+          </a:bodyPr>
+          <a:lstStyle/>
+          <a:p>
+            <a:r>
+              <a:rPr lang="ko-KR" altLang="en-US" sz="3200" dirty="0" smtClean="0"/>
+              <a:t>작성일</a:t>
+            </a:r>
+            <a:r>
+              <a:rPr lang="en-US" altLang="ko-KR" sz="3200" dirty="0" smtClean="0"/>
+              <a:t>: 2017</a:t>
+            </a:r>
+            <a:r>
+              <a:rPr lang="ko-KR" altLang="en-US" sz="3200" dirty="0" smtClean="0"/>
+              <a:t>년</a:t>
+            </a:r>
+            <a:r>
+              <a:rPr lang="en-US" altLang="ko-KR" sz="3200" dirty="0" smtClean="0"/>
+              <a:t> 9</a:t>
+            </a:r>
+            <a:r>
+              <a:rPr lang="ko-KR" altLang="en-US" sz="3200" dirty="0" smtClean="0"/>
+              <a:t>월</a:t>
+            </a:r>
+            <a:r>
+              <a:rPr lang="en-US" altLang="ko-KR" sz="3200" dirty="0" smtClean="0"/>
+              <a:t> 21</a:t>
+            </a:r>
+            <a:r>
+              <a:rPr lang="ko-KR" altLang="en-US" sz="3200" dirty="0" smtClean="0"/>
+              <a:t>일</a:t>
+            </a:r>
+            <a:endParaRPr lang="en-US" altLang="ko-KR" sz="3200" dirty="0" smtClean="0"/>
+          </a:p>
+          <a:p>
+            <a:endParaRPr lang="en-US" altLang="ko-KR" sz="3200" dirty="0" smtClean="0"/>
+          </a:p>
+          <a:p>
+            <a:r>
+              <a:rPr lang="ko-KR" altLang="en-US" sz="3200" dirty="0" smtClean="0"/>
+              <a:t>작성인</a:t>
+            </a:r>
+            <a:r>
+              <a:rPr lang="en-US" altLang="ko-KR" sz="3200" dirty="0" smtClean="0"/>
+              <a:t>: </a:t>
+            </a:r>
+            <a:r>
+              <a:rPr lang="ko-KR" altLang="en-US" sz="3200" dirty="0" smtClean="0"/>
+              <a:t>최광현 </a:t>
+            </a:r>
+            <a:endParaRPr lang="en-US" altLang="ko-KR" sz="3200" dirty="0" smtClean="0"/>
+          </a:p>
+          <a:p>
+            <a:endParaRPr lang="en-US" altLang="ko-KR" sz="3200" dirty="0" smtClean="0"/>
+          </a:p>
+          <a:p>
+            <a:r>
+              <a:rPr lang="ko-KR" altLang="en-US" sz="3200" dirty="0" smtClean="0"/>
+              <a:t>내용</a:t>
+            </a:r>
+            <a:r>
+              <a:rPr lang="en-US" altLang="ko-KR" sz="3200" dirty="0" smtClean="0"/>
+              <a:t>:</a:t>
+            </a:r>
+            <a:endParaRPr lang="ko-KR" altLang="en-US" sz="3200" dirty="0"/>
+          </a:p>
+        </p:txBody>
+      </p:sp>
+    </p:spTree>
+  </p:cSld>
+  <p:clrMapOvr>
+    <a:masterClrMapping/>
+  </p:clrMapOvr>
+  <p:transition>
+    <p:pull dir="d"/>
+  </p:transition>
+  <p:timing>
+    <p:tnLst>
+      <p:par>
+        <p:cTn id="1" dur="indefinite" restart="never" nodeType="tmRoot"/>
+      </p:par>
+    </p:tnLst>
+  </p:timing>
 </p:sld>
 </file>
 
@@ -3416,6 +4107,16 @@
   <p:clrMapOvr>
     <a:masterClrMapping/>
   </p:clrMapOvr>
+  <p:transition>
+    <p:pull/>
+  </p:transition>
+  <p:timing>
+    <p:tnLst>
+      <p:par>
+        <p:cTn id="1" dur="indefinite" restart="never" nodeType="tmRoot"/>
+      </p:par>
+    </p:tnLst>
+  </p:timing>
 </p:sld>
 </file>
 
@@ -3436,6 +4137,30 @@
           <a:chExt cx="0" cy="0"/>
         </a:xfrm>
       </p:grpSpPr>
+      <p:pic>
+        <p:nvPicPr>
+          <p:cNvPr id="4" name="그림 3" descr="arduino.png"/>
+          <p:cNvPicPr>
+            <a:picLocks noChangeAspect="1"/>
+          </p:cNvPicPr>
+          <p:nvPr/>
+        </p:nvPicPr>
+        <p:blipFill>
+          <a:blip r:embed="rId2" cstate="print"/>
+          <a:stretch>
+            <a:fillRect/>
+          </a:stretch>
+        </p:blipFill>
+        <p:spPr>
+          <a:xfrm>
+            <a:off x="1115616" y="-27384"/>
+            <a:ext cx="6885384" cy="6885384"/>
+          </a:xfrm>
+          <a:prstGeom prst="rect">
+            <a:avLst/>
+          </a:prstGeom>
+        </p:spPr>
+      </p:pic>
       <p:sp>
         <p:nvSpPr>
           <p:cNvPr id="2" name="TextBox 1"/>
@@ -3539,11 +4264,7 @@
             </a:r>
             <a:r>
               <a:rPr lang="ko-KR" altLang="en-US" sz="3200" dirty="0" smtClean="0"/>
-              <a:t> 가까이 가서 직접 </a:t>
-            </a:r>
-            <a:r>
-              <a:rPr lang="ko-KR" altLang="en-US" sz="3200" dirty="0" smtClean="0"/>
-              <a:t>열기</a:t>
+              <a:t> 가까이 가서 직접 열기</a:t>
             </a:r>
             <a:r>
               <a:rPr lang="en-US" altLang="ko-KR" sz="3200" dirty="0" smtClean="0"/>
@@ -3557,7 +4278,6 @@
               <a:rPr lang="en-US" altLang="ko-KR" sz="3200" dirty="0" smtClean="0"/>
               <a:t>.</a:t>
             </a:r>
-            <a:endParaRPr lang="en-US" altLang="ko-KR" sz="3200" dirty="0" smtClean="0"/>
           </a:p>
           <a:p>
             <a:endParaRPr lang="en-US" altLang="ko-KR" sz="3200" dirty="0"/>
@@ -3573,7 +4293,7 @@
             </a:r>
             <a:r>
               <a:rPr lang="en-US" altLang="ko-KR" sz="3200" dirty="0" smtClean="0">
-                <a:hlinkClick r:id="rId2"/>
+                <a:hlinkClick r:id="rId3"/>
               </a:rPr>
               <a:t>https://www.youtube.com/watch?v=P1Px_8F8YSE</a:t>
             </a:r>
@@ -3586,6 +4306,16 @@
   <p:clrMapOvr>
     <a:masterClrMapping/>
   </p:clrMapOvr>
+  <p:transition>
+    <p:wipe/>
+  </p:transition>
+  <p:timing>
+    <p:tnLst>
+      <p:par>
+        <p:cTn id="1" dur="indefinite" restart="never" nodeType="tmRoot"/>
+      </p:par>
+    </p:tnLst>
+  </p:timing>
 </p:sld>
 </file>
 
@@ -3608,7 +4338,7 @@
       </p:grpSpPr>
       <p:pic>
         <p:nvPicPr>
-          <p:cNvPr id="7" name="그림 6" descr="surbo.jpg"/>
+          <p:cNvPr id="8" name="그림 7" descr="arduino.png"/>
           <p:cNvPicPr>
             <a:picLocks noChangeAspect="1"/>
           </p:cNvPicPr>
@@ -3622,6 +4352,30 @@
         </p:blipFill>
         <p:spPr>
           <a:xfrm>
+            <a:off x="1115616" y="-27384"/>
+            <a:ext cx="6885384" cy="6885384"/>
+          </a:xfrm>
+          <a:prstGeom prst="rect">
+            <a:avLst/>
+          </a:prstGeom>
+        </p:spPr>
+      </p:pic>
+      <p:pic>
+        <p:nvPicPr>
+          <p:cNvPr id="7" name="그림 6" descr="surbo.jpg"/>
+          <p:cNvPicPr>
+            <a:picLocks noChangeAspect="1"/>
+          </p:cNvPicPr>
+          <p:nvPr/>
+        </p:nvPicPr>
+        <p:blipFill>
+          <a:blip r:embed="rId3" cstate="print"/>
+          <a:stretch>
+            <a:fillRect/>
+          </a:stretch>
+        </p:blipFill>
+        <p:spPr>
+          <a:xfrm>
             <a:off x="4638403" y="4293096"/>
             <a:ext cx="2885925" cy="2095862"/>
           </a:xfrm>
@@ -3639,19 +4393,23 @@
           <p:nvPr/>
         </p:nvPicPr>
         <p:blipFill>
-          <a:blip r:embed="rId3" cstate="print"/>
+          <a:blip r:embed="rId4" cstate="print"/>
           <a:stretch>
             <a:fillRect/>
           </a:stretch>
         </p:blipFill>
         <p:spPr>
           <a:xfrm>
-            <a:off x="4678961" y="1340768"/>
+            <a:off x="4716016" y="1414294"/>
             <a:ext cx="2485327" cy="2518762"/>
           </a:xfrm>
           <a:prstGeom prst="rect">
             <a:avLst/>
           </a:prstGeom>
+          <a:noFill/>
+          <a:ln>
+            <a:noFill/>
+          </a:ln>
         </p:spPr>
       </p:pic>
       <p:sp>
@@ -3765,6 +4523,16 @@
   <p:clrMapOvr>
     <a:masterClrMapping/>
   </p:clrMapOvr>
+  <p:transition>
+    <p:wipe dir="u"/>
+  </p:transition>
+  <p:timing>
+    <p:tnLst>
+      <p:par>
+        <p:cTn id="1" dur="indefinite" restart="never" nodeType="tmRoot"/>
+      </p:par>
+    </p:tnLst>
+  </p:timing>
 </p:sld>
 </file>
 
@@ -3785,43 +4553,9 @@
           <a:chExt cx="0" cy="0"/>
         </a:xfrm>
       </p:grpSpPr>
-      <p:sp>
-        <p:nvSpPr>
-          <p:cNvPr id="2" name="TextBox 1"/>
-          <p:cNvSpPr txBox="1"/>
-          <p:nvPr/>
-        </p:nvSpPr>
-        <p:spPr>
-          <a:xfrm>
-            <a:off x="539552" y="488866"/>
-            <a:ext cx="10153128" cy="707886"/>
-          </a:xfrm>
-          <a:prstGeom prst="rect">
-            <a:avLst/>
-          </a:prstGeom>
-          <a:noFill/>
-        </p:spPr>
-        <p:txBody>
-          <a:bodyPr wrap="square" rtlCol="0">
-            <a:spAutoFit/>
-          </a:bodyPr>
-          <a:lstStyle/>
-          <a:p>
-            <a:r>
-              <a:rPr lang="en-US" altLang="ko-KR" sz="4000" dirty="0" smtClean="0"/>
-              <a:t>Ⅲ. </a:t>
-            </a:r>
-            <a:r>
-              <a:rPr lang="ko-KR" altLang="en-US" sz="4000" dirty="0" smtClean="0"/>
-              <a:t>필요 부품</a:t>
-            </a:r>
-            <a:endParaRPr lang="ko-KR" altLang="en-US" sz="4000" dirty="0"/>
-          </a:p>
-        </p:txBody>
-      </p:sp>
       <p:pic>
         <p:nvPicPr>
-          <p:cNvPr id="3" name="그림 2" descr="cho.jpg"/>
+          <p:cNvPr id="13" name="그림 12" descr="arduino.png"/>
           <p:cNvPicPr>
             <a:picLocks noChangeAspect="1"/>
           </p:cNvPicPr>
@@ -3835,6 +4569,64 @@
         </p:blipFill>
         <p:spPr>
           <a:xfrm>
+            <a:off x="1115616" y="-27384"/>
+            <a:ext cx="6885384" cy="6885384"/>
+          </a:xfrm>
+          <a:prstGeom prst="rect">
+            <a:avLst/>
+          </a:prstGeom>
+        </p:spPr>
+      </p:pic>
+      <p:sp>
+        <p:nvSpPr>
+          <p:cNvPr id="2" name="TextBox 1"/>
+          <p:cNvSpPr txBox="1"/>
+          <p:nvPr/>
+        </p:nvSpPr>
+        <p:spPr>
+          <a:xfrm>
+            <a:off x="539552" y="488866"/>
+            <a:ext cx="10153128" cy="707886"/>
+          </a:xfrm>
+          <a:prstGeom prst="rect">
+            <a:avLst/>
+          </a:prstGeom>
+          <a:noFill/>
+        </p:spPr>
+        <p:txBody>
+          <a:bodyPr wrap="square" rtlCol="0">
+            <a:spAutoFit/>
+          </a:bodyPr>
+          <a:lstStyle/>
+          <a:p>
+            <a:r>
+              <a:rPr lang="en-US" altLang="ko-KR" sz="4000" dirty="0" smtClean="0"/>
+              <a:t>Ⅲ. </a:t>
+            </a:r>
+            <a:r>
+              <a:rPr lang="ko-KR" altLang="en-US" sz="4000" dirty="0" smtClean="0"/>
+              <a:t>필요 부품</a:t>
+            </a:r>
+            <a:endParaRPr lang="ko-KR" altLang="en-US" sz="4000" dirty="0"/>
+          </a:p>
+        </p:txBody>
+      </p:sp>
+      <p:pic>
+        <p:nvPicPr>
+          <p:cNvPr id="3" name="그림 2" descr="cho.jpg"/>
+          <p:cNvPicPr>
+            <a:picLocks noChangeAspect="1"/>
+          </p:cNvPicPr>
+          <p:nvPr/>
+        </p:nvPicPr>
+        <p:blipFill>
+          <a:blip r:embed="rId3" cstate="print"/>
+          <a:stretch>
+            <a:fillRect/>
+          </a:stretch>
+        </p:blipFill>
+        <p:spPr>
+          <a:xfrm>
             <a:off x="683568" y="1916832"/>
             <a:ext cx="1918408" cy="1944216"/>
           </a:xfrm>
@@ -3852,7 +4644,7 @@
           <p:nvPr/>
         </p:nvPicPr>
         <p:blipFill>
-          <a:blip r:embed="rId3" cstate="print"/>
+          <a:blip r:embed="rId4" cstate="print"/>
           <a:stretch>
             <a:fillRect/>
           </a:stretch>
@@ -3876,7 +4668,7 @@
           <p:nvPr/>
         </p:nvPicPr>
         <p:blipFill>
-          <a:blip r:embed="rId4" cstate="print"/>
+          <a:blip r:embed="rId5" cstate="print"/>
           <a:stretch>
             <a:fillRect/>
           </a:stretch>
@@ -3900,7 +4692,7 @@
           <p:nvPr/>
         </p:nvPicPr>
         <p:blipFill>
-          <a:blip r:embed="rId5" cstate="print"/>
+          <a:blip r:embed="rId6" cstate="print"/>
           <a:stretch>
             <a:fillRect/>
           </a:stretch>
@@ -4047,6 +4839,16 @@
   <p:clrMapOvr>
     <a:masterClrMapping/>
   </p:clrMapOvr>
+  <p:transition>
+    <p:dissolve/>
+  </p:transition>
+  <p:timing>
+    <p:tnLst>
+      <p:par>
+        <p:cTn id="1" dur="indefinite" restart="never" nodeType="tmRoot"/>
+      </p:par>
+    </p:tnLst>
+  </p:timing>
 </p:sld>
 </file>
 
@@ -4067,6 +4869,30 @@
           <a:chExt cx="0" cy="0"/>
         </a:xfrm>
       </p:grpSpPr>
+      <p:pic>
+        <p:nvPicPr>
+          <p:cNvPr id="4" name="그림 3" descr="arduino.png"/>
+          <p:cNvPicPr>
+            <a:picLocks noChangeAspect="1"/>
+          </p:cNvPicPr>
+          <p:nvPr/>
+        </p:nvPicPr>
+        <p:blipFill>
+          <a:blip r:embed="rId2" cstate="print"/>
+          <a:stretch>
+            <a:fillRect/>
+          </a:stretch>
+        </p:blipFill>
+        <p:spPr>
+          <a:xfrm>
+            <a:off x="1115616" y="-27384"/>
+            <a:ext cx="6885384" cy="6885384"/>
+          </a:xfrm>
+          <a:prstGeom prst="rect">
+            <a:avLst/>
+          </a:prstGeom>
+        </p:spPr>
+      </p:pic>
       <p:sp>
         <p:nvSpPr>
           <p:cNvPr id="2" name="TextBox 1"/>
@@ -4219,6 +5045,16 @@
   <p:clrMapOvr>
     <a:masterClrMapping/>
   </p:clrMapOvr>
+  <p:transition>
+    <p:wipe dir="d"/>
+  </p:transition>
+  <p:timing>
+    <p:tnLst>
+      <p:par>
+        <p:cTn id="1" dur="indefinite" restart="never" nodeType="tmRoot"/>
+      </p:par>
+    </p:tnLst>
+  </p:timing>
 </p:sld>
 </file>
 
@@ -4239,6 +5075,30 @@
           <a:chExt cx="0" cy="0"/>
         </a:xfrm>
       </p:grpSpPr>
+      <p:pic>
+        <p:nvPicPr>
+          <p:cNvPr id="4" name="그림 3" descr="arduino.png"/>
+          <p:cNvPicPr>
+            <a:picLocks noChangeAspect="1"/>
+          </p:cNvPicPr>
+          <p:nvPr/>
+        </p:nvPicPr>
+        <p:blipFill>
+          <a:blip r:embed="rId2" cstate="print"/>
+          <a:stretch>
+            <a:fillRect/>
+          </a:stretch>
+        </p:blipFill>
+        <p:spPr>
+          <a:xfrm>
+            <a:off x="1115616" y="-27384"/>
+            <a:ext cx="6885384" cy="6885384"/>
+          </a:xfrm>
+          <a:prstGeom prst="rect">
+            <a:avLst/>
+          </a:prstGeom>
+        </p:spPr>
+      </p:pic>
       <p:sp>
         <p:nvSpPr>
           <p:cNvPr id="2" name="TextBox 1"/>
@@ -4285,8 +5145,8 @@
         </p:nvSpPr>
         <p:spPr>
           <a:xfrm>
-            <a:off x="323528" y="1556792"/>
-            <a:ext cx="8496944" cy="4832092"/>
+            <a:off x="539552" y="1916832"/>
+            <a:ext cx="8496944" cy="3539430"/>
           </a:xfrm>
           <a:prstGeom prst="rect">
             <a:avLst/>
@@ -4300,132 +5160,88 @@
           <a:lstStyle/>
           <a:p>
             <a:r>
-              <a:rPr lang="en-US" altLang="ko-KR" sz="2800" dirty="0" smtClean="0"/>
+              <a:rPr lang="en-US" altLang="ko-KR" sz="3200" dirty="0" smtClean="0"/>
               <a:t>1</a:t>
             </a:r>
             <a:r>
-              <a:rPr lang="ko-KR" altLang="en-US" sz="2800" dirty="0" smtClean="0"/>
+              <a:rPr lang="ko-KR" altLang="en-US" sz="3200" dirty="0" smtClean="0"/>
               <a:t>주차</a:t>
             </a:r>
             <a:r>
-              <a:rPr lang="en-US" altLang="ko-KR" sz="2800" dirty="0" smtClean="0"/>
+              <a:rPr lang="en-US" altLang="ko-KR" sz="3200" dirty="0" smtClean="0"/>
               <a:t>: </a:t>
             </a:r>
             <a:r>
-              <a:rPr lang="ko-KR" altLang="en-US" sz="2800" dirty="0" smtClean="0"/>
+              <a:rPr lang="ko-KR" altLang="en-US" sz="3200" dirty="0" smtClean="0"/>
               <a:t>프로젝트 선정 및 계획</a:t>
             </a:r>
-            <a:endParaRPr lang="en-US" altLang="ko-KR" sz="2800" dirty="0" smtClean="0"/>
-          </a:p>
-          <a:p>
-            <a:endParaRPr lang="en-US" altLang="ko-KR" sz="2800" dirty="0"/>
-          </a:p>
-          <a:p>
-            <a:r>
-              <a:rPr lang="en-US" altLang="ko-KR" sz="2800" dirty="0" smtClean="0"/>
+            <a:endParaRPr lang="en-US" altLang="ko-KR" sz="3200" dirty="0" smtClean="0"/>
+          </a:p>
+          <a:p>
+            <a:endParaRPr lang="en-US" altLang="ko-KR" sz="3200" dirty="0"/>
+          </a:p>
+          <a:p>
+            <a:r>
+              <a:rPr lang="en-US" altLang="ko-KR" sz="3200" dirty="0" smtClean="0"/>
               <a:t>2</a:t>
             </a:r>
             <a:r>
-              <a:rPr lang="ko-KR" altLang="en-US" sz="2800" dirty="0" smtClean="0"/>
+              <a:rPr lang="ko-KR" altLang="en-US" sz="3200" dirty="0" smtClean="0"/>
               <a:t>주차</a:t>
             </a:r>
             <a:r>
-              <a:rPr lang="en-US" altLang="ko-KR" sz="2800" dirty="0" smtClean="0"/>
+              <a:rPr lang="en-US" altLang="ko-KR" sz="3200" dirty="0" smtClean="0"/>
               <a:t>: </a:t>
             </a:r>
             <a:r>
-              <a:rPr lang="ko-KR" altLang="en-US" sz="2800" dirty="0" smtClean="0"/>
+              <a:rPr lang="ko-KR" altLang="en-US" sz="3200" dirty="0" smtClean="0"/>
               <a:t>쓰레기통 구조 잡기</a:t>
             </a:r>
-            <a:endParaRPr lang="en-US" altLang="ko-KR" sz="2800" dirty="0" smtClean="0"/>
-          </a:p>
-          <a:p>
-            <a:endParaRPr lang="en-US" altLang="ko-KR" sz="2800" dirty="0"/>
-          </a:p>
-          <a:p>
-            <a:r>
-              <a:rPr lang="en-US" altLang="ko-KR" sz="2800" dirty="0" smtClean="0"/>
+            <a:endParaRPr lang="en-US" altLang="ko-KR" sz="3200" dirty="0" smtClean="0"/>
+          </a:p>
+          <a:p>
+            <a:endParaRPr lang="en-US" altLang="ko-KR" sz="3200" dirty="0"/>
+          </a:p>
+          <a:p>
+            <a:r>
+              <a:rPr lang="en-US" altLang="ko-KR" sz="3200" dirty="0" smtClean="0"/>
               <a:t>3</a:t>
             </a:r>
             <a:r>
-              <a:rPr lang="ko-KR" altLang="en-US" sz="2800" dirty="0" smtClean="0"/>
+              <a:rPr lang="ko-KR" altLang="en-US" sz="3200" dirty="0" smtClean="0"/>
               <a:t>주차</a:t>
             </a:r>
             <a:r>
-              <a:rPr lang="en-US" altLang="ko-KR" sz="2800" dirty="0" smtClean="0"/>
+              <a:rPr lang="en-US" altLang="ko-KR" sz="3200" dirty="0" smtClean="0"/>
               <a:t>: </a:t>
             </a:r>
             <a:r>
-              <a:rPr lang="ko-KR" altLang="en-US" sz="2800" dirty="0" smtClean="0"/>
-              <a:t>만들기</a:t>
-            </a:r>
-            <a:endParaRPr lang="en-US" altLang="ko-KR" sz="2800" dirty="0" smtClean="0"/>
-          </a:p>
-          <a:p>
-            <a:endParaRPr lang="en-US" altLang="ko-KR" sz="2800" dirty="0"/>
-          </a:p>
-          <a:p>
-            <a:r>
-              <a:rPr lang="en-US" altLang="ko-KR" sz="2800" dirty="0" smtClean="0"/>
+              <a:rPr lang="ko-KR" altLang="en-US" sz="3200" dirty="0" smtClean="0"/>
+              <a:t>쓰레기통 전선 연결하기</a:t>
+            </a:r>
+            <a:endParaRPr lang="en-US" altLang="ko-KR" sz="3200" dirty="0" smtClean="0"/>
+          </a:p>
+          <a:p>
+            <a:endParaRPr lang="en-US" altLang="ko-KR" sz="3200" dirty="0"/>
+          </a:p>
+          <a:p>
+            <a:r>
+              <a:rPr lang="en-US" altLang="ko-KR" sz="3200" dirty="0" smtClean="0"/>
               <a:t>4</a:t>
             </a:r>
             <a:r>
-              <a:rPr lang="ko-KR" altLang="en-US" sz="2800" dirty="0" smtClean="0"/>
+              <a:rPr lang="ko-KR" altLang="en-US" sz="3200" dirty="0" smtClean="0"/>
               <a:t>주차</a:t>
             </a:r>
             <a:r>
-              <a:rPr lang="en-US" altLang="ko-KR" sz="2800" dirty="0" smtClean="0"/>
+              <a:rPr lang="en-US" altLang="ko-KR" sz="3200" dirty="0" smtClean="0"/>
               <a:t>: </a:t>
             </a:r>
             <a:r>
-              <a:rPr lang="ko-KR" altLang="en-US" sz="2800" dirty="0" smtClean="0"/>
-              <a:t>만들기</a:t>
-            </a:r>
-            <a:endParaRPr lang="en-US" altLang="ko-KR" sz="2800" dirty="0" smtClean="0"/>
-          </a:p>
-          <a:p>
-            <a:endParaRPr lang="en-US" altLang="ko-KR" sz="2800" dirty="0"/>
-          </a:p>
-          <a:p>
-            <a:r>
-              <a:rPr lang="en-US" altLang="ko-KR" sz="2800" dirty="0" smtClean="0"/>
-              <a:t>5</a:t>
-            </a:r>
-            <a:r>
-              <a:rPr lang="ko-KR" altLang="en-US" sz="2800" dirty="0" smtClean="0"/>
-              <a:t>주차</a:t>
-            </a:r>
-            <a:r>
-              <a:rPr lang="en-US" altLang="ko-KR" sz="2800" dirty="0" smtClean="0"/>
-              <a:t>:</a:t>
-            </a:r>
-            <a:r>
-              <a:rPr lang="ko-KR" altLang="en-US" sz="2800" dirty="0" smtClean="0"/>
-              <a:t> 만들기</a:t>
-            </a:r>
-            <a:endParaRPr lang="en-US" altLang="ko-KR" sz="2800" dirty="0" smtClean="0"/>
-          </a:p>
-          <a:p>
-            <a:endParaRPr lang="en-US" altLang="ko-KR" sz="2800" dirty="0"/>
-          </a:p>
-          <a:p>
-            <a:r>
-              <a:rPr lang="en-US" altLang="ko-KR" sz="2800" dirty="0" smtClean="0"/>
-              <a:t>6</a:t>
-            </a:r>
-            <a:r>
-              <a:rPr lang="ko-KR" altLang="en-US" sz="2800" dirty="0" smtClean="0"/>
-              <a:t>주차</a:t>
-            </a:r>
-            <a:r>
-              <a:rPr lang="en-US" altLang="ko-KR" sz="2800" dirty="0" smtClean="0"/>
-              <a:t>: </a:t>
-            </a:r>
-            <a:r>
-              <a:rPr lang="ko-KR" altLang="en-US" sz="2800" dirty="0" smtClean="0"/>
-              <a:t>만들기</a:t>
-            </a:r>
-            <a:endParaRPr lang="ko-KR" altLang="en-US" sz="2800" dirty="0"/>
+              <a:rPr lang="ko-KR" altLang="en-US" sz="3200" dirty="0" smtClean="0"/>
+              <a:t>쓰레기통 소스 코드 짜기</a:t>
+            </a:r>
+            <a:endParaRPr lang="en-US" altLang="ko-KR" sz="3200" dirty="0" smtClean="0"/>
           </a:p>
         </p:txBody>
       </p:sp>
@@ -4434,6 +5250,16 @@
   <p:clrMapOvr>
     <a:masterClrMapping/>
   </p:clrMapOvr>
+  <p:transition>
+    <p:wipe/>
+  </p:transition>
+  <p:timing>
+    <p:tnLst>
+      <p:par>
+        <p:cTn id="1" dur="indefinite" restart="never" nodeType="tmRoot"/>
+      </p:par>
+    </p:tnLst>
+  </p:timing>
 </p:sld>
 </file>
 
@@ -4454,16 +5280,261 @@
           <a:chExt cx="0" cy="0"/>
         </a:xfrm>
       </p:grpSpPr>
-      <p:sp>
-        <p:nvSpPr>
-          <p:cNvPr id="2" name="TextBox 1"/>
+      <p:pic>
+        <p:nvPicPr>
+          <p:cNvPr id="27" name="그림 26" descr="arduino.png"/>
+          <p:cNvPicPr>
+            <a:picLocks noChangeAspect="1"/>
+          </p:cNvPicPr>
+          <p:nvPr/>
+        </p:nvPicPr>
+        <p:blipFill>
+          <a:blip r:embed="rId2" cstate="print"/>
+          <a:stretch>
+            <a:fillRect/>
+          </a:stretch>
+        </p:blipFill>
+        <p:spPr>
+          <a:xfrm>
+            <a:off x="1115616" y="-27384"/>
+            <a:ext cx="6885384" cy="6885384"/>
+          </a:xfrm>
+          <a:prstGeom prst="rect">
+            <a:avLst/>
+          </a:prstGeom>
+        </p:spPr>
+      </p:pic>
+      <p:sp>
+        <p:nvSpPr>
+          <p:cNvPr id="2" name="직사각형 1"/>
+          <p:cNvSpPr/>
+          <p:nvPr/>
+        </p:nvSpPr>
+        <p:spPr>
+          <a:xfrm>
+            <a:off x="683568" y="1772816"/>
+            <a:ext cx="2880320" cy="4392488"/>
+          </a:xfrm>
+          <a:prstGeom prst="rect">
+            <a:avLst/>
+          </a:prstGeom>
+          <a:solidFill>
+            <a:schemeClr val="accent6">
+              <a:lumMod val="60000"/>
+              <a:lumOff val="40000"/>
+            </a:schemeClr>
+          </a:solidFill>
+        </p:spPr>
+        <p:style>
+          <a:lnRef idx="2">
+            <a:schemeClr val="accent1">
+              <a:shade val="50000"/>
+            </a:schemeClr>
+          </a:lnRef>
+          <a:fillRef idx="1">
+            <a:schemeClr val="accent1"/>
+          </a:fillRef>
+          <a:effectRef idx="0">
+            <a:schemeClr val="accent1"/>
+          </a:effectRef>
+          <a:fontRef idx="minor">
+            <a:schemeClr val="lt1"/>
+          </a:fontRef>
+        </p:style>
+        <p:txBody>
+          <a:bodyPr rtlCol="0" anchor="ctr"/>
+          <a:lstStyle/>
+          <a:p>
+            <a:pPr algn="ctr"/>
+            <a:endParaRPr lang="ko-KR" altLang="en-US"/>
+          </a:p>
+        </p:txBody>
+      </p:sp>
+      <p:sp>
+        <p:nvSpPr>
+          <p:cNvPr id="3" name="순서도: 지연 2"/>
+          <p:cNvSpPr/>
+          <p:nvPr/>
+        </p:nvSpPr>
+        <p:spPr>
+          <a:xfrm rot="16200000">
+            <a:off x="1367644" y="-423428"/>
+            <a:ext cx="1512168" cy="2880320"/>
+          </a:xfrm>
+          <a:prstGeom prst="flowChartDelay">
+            <a:avLst/>
+          </a:prstGeom>
+          <a:solidFill>
+            <a:schemeClr val="accent6">
+              <a:lumMod val="60000"/>
+              <a:lumOff val="40000"/>
+            </a:schemeClr>
+          </a:solidFill>
+        </p:spPr>
+        <p:style>
+          <a:lnRef idx="2">
+            <a:schemeClr val="accent1">
+              <a:shade val="50000"/>
+            </a:schemeClr>
+          </a:lnRef>
+          <a:fillRef idx="1">
+            <a:schemeClr val="accent1"/>
+          </a:fillRef>
+          <a:effectRef idx="0">
+            <a:schemeClr val="accent1"/>
+          </a:effectRef>
+          <a:fontRef idx="minor">
+            <a:schemeClr val="lt1"/>
+          </a:fontRef>
+        </p:style>
+        <p:txBody>
+          <a:bodyPr rtlCol="0" anchor="ctr"/>
+          <a:lstStyle/>
+          <a:p>
+            <a:pPr algn="ctr"/>
+            <a:endParaRPr lang="ko-KR" altLang="en-US"/>
+          </a:p>
+        </p:txBody>
+      </p:sp>
+      <p:sp>
+        <p:nvSpPr>
+          <p:cNvPr id="4" name="도넛 3"/>
+          <p:cNvSpPr/>
+          <p:nvPr/>
+        </p:nvSpPr>
+        <p:spPr>
+          <a:xfrm>
+            <a:off x="1403648" y="2060848"/>
+            <a:ext cx="576064" cy="576064"/>
+          </a:xfrm>
+          <a:prstGeom prst="donut">
+            <a:avLst/>
+          </a:prstGeom>
+        </p:spPr>
+        <p:style>
+          <a:lnRef idx="2">
+            <a:schemeClr val="accent1">
+              <a:shade val="50000"/>
+            </a:schemeClr>
+          </a:lnRef>
+          <a:fillRef idx="1">
+            <a:schemeClr val="accent1"/>
+          </a:fillRef>
+          <a:effectRef idx="0">
+            <a:schemeClr val="accent1"/>
+          </a:effectRef>
+          <a:fontRef idx="minor">
+            <a:schemeClr val="lt1"/>
+          </a:fontRef>
+        </p:style>
+        <p:txBody>
+          <a:bodyPr rtlCol="0" anchor="ctr"/>
+          <a:lstStyle/>
+          <a:p>
+            <a:pPr algn="ctr"/>
+            <a:endParaRPr lang="ko-KR" altLang="en-US">
+              <a:solidFill>
+                <a:schemeClr val="tx1"/>
+              </a:solidFill>
+            </a:endParaRPr>
+          </a:p>
+        </p:txBody>
+      </p:sp>
+      <p:sp>
+        <p:nvSpPr>
+          <p:cNvPr id="5" name="도넛 4"/>
+          <p:cNvSpPr/>
+          <p:nvPr/>
+        </p:nvSpPr>
+        <p:spPr>
+          <a:xfrm>
+            <a:off x="2267744" y="2060848"/>
+            <a:ext cx="576064" cy="576064"/>
+          </a:xfrm>
+          <a:prstGeom prst="donut">
+            <a:avLst/>
+          </a:prstGeom>
+        </p:spPr>
+        <p:style>
+          <a:lnRef idx="2">
+            <a:schemeClr val="accent1">
+              <a:shade val="50000"/>
+            </a:schemeClr>
+          </a:lnRef>
+          <a:fillRef idx="1">
+            <a:schemeClr val="accent1"/>
+          </a:fillRef>
+          <a:effectRef idx="0">
+            <a:schemeClr val="accent1"/>
+          </a:effectRef>
+          <a:fontRef idx="minor">
+            <a:schemeClr val="lt1"/>
+          </a:fontRef>
+        </p:style>
+        <p:txBody>
+          <a:bodyPr rtlCol="0" anchor="ctr"/>
+          <a:lstStyle/>
+          <a:p>
+            <a:pPr algn="ctr"/>
+            <a:endParaRPr lang="ko-KR" altLang="en-US">
+              <a:solidFill>
+                <a:schemeClr val="tx1"/>
+              </a:solidFill>
+            </a:endParaRPr>
+          </a:p>
+        </p:txBody>
+      </p:sp>
+      <p:sp>
+        <p:nvSpPr>
+          <p:cNvPr id="6" name="직사각형 5"/>
+          <p:cNvSpPr/>
+          <p:nvPr/>
+        </p:nvSpPr>
+        <p:spPr>
+          <a:xfrm>
+            <a:off x="1259632" y="1988840"/>
+            <a:ext cx="1728192" cy="792088"/>
+          </a:xfrm>
+          <a:prstGeom prst="rect">
+            <a:avLst/>
+          </a:prstGeom>
+          <a:noFill/>
+        </p:spPr>
+        <p:style>
+          <a:lnRef idx="2">
+            <a:schemeClr val="accent1">
+              <a:shade val="50000"/>
+            </a:schemeClr>
+          </a:lnRef>
+          <a:fillRef idx="1">
+            <a:schemeClr val="accent1"/>
+          </a:fillRef>
+          <a:effectRef idx="0">
+            <a:schemeClr val="accent1"/>
+          </a:effectRef>
+          <a:fontRef idx="minor">
+            <a:schemeClr val="lt1"/>
+          </a:fontRef>
+        </p:style>
+        <p:txBody>
+          <a:bodyPr rtlCol="0" anchor="ctr"/>
+          <a:lstStyle/>
+          <a:p>
+            <a:pPr algn="ctr"/>
+            <a:endParaRPr lang="ko-KR" altLang="en-US"/>
+          </a:p>
+        </p:txBody>
+      </p:sp>
+      <p:sp>
+        <p:nvSpPr>
+          <p:cNvPr id="11" name="TextBox 10"/>
           <p:cNvSpPr txBox="1"/>
           <p:nvPr/>
         </p:nvSpPr>
         <p:spPr>
           <a:xfrm>
-            <a:off x="323528" y="344850"/>
-            <a:ext cx="8856984" cy="707886"/>
+            <a:off x="-36512" y="1772816"/>
+            <a:ext cx="2232248" cy="461665"/>
           </a:xfrm>
           <a:prstGeom prst="rect">
             <a:avLst/>
@@ -4477,23 +5548,841 @@
           <a:lstStyle/>
           <a:p>
             <a:r>
-              <a:rPr lang="ko-KR" altLang="en-US" sz="4000" dirty="0" smtClean="0"/>
-              <a:t>개발 일지</a:t>
-            </a:r>
-            <a:endParaRPr lang="ko-KR" altLang="en-US" sz="4000" dirty="0"/>
-          </a:p>
-        </p:txBody>
-      </p:sp>
-      <p:sp>
-        <p:nvSpPr>
-          <p:cNvPr id="3" name="TextBox 2"/>
+              <a:rPr lang="ko-KR" altLang="en-US" sz="2400" dirty="0" smtClean="0"/>
+              <a:t>초음파 센서 </a:t>
+            </a:r>
+            <a:endParaRPr lang="ko-KR" altLang="en-US" sz="2400" dirty="0"/>
+          </a:p>
+        </p:txBody>
+      </p:sp>
+      <p:sp>
+        <p:nvSpPr>
+          <p:cNvPr id="12" name="순서도: 지연 11"/>
+          <p:cNvSpPr/>
+          <p:nvPr/>
+        </p:nvSpPr>
+        <p:spPr>
+          <a:xfrm rot="5400000">
+            <a:off x="1781690" y="2474894"/>
+            <a:ext cx="684076" cy="1440160"/>
+          </a:xfrm>
+          <a:prstGeom prst="flowChartDelay">
+            <a:avLst/>
+          </a:prstGeom>
+        </p:spPr>
+        <p:style>
+          <a:lnRef idx="2">
+            <a:schemeClr val="accent1">
+              <a:shade val="50000"/>
+            </a:schemeClr>
+          </a:lnRef>
+          <a:fillRef idx="1">
+            <a:schemeClr val="accent1"/>
+          </a:fillRef>
+          <a:effectRef idx="0">
+            <a:schemeClr val="accent1"/>
+          </a:effectRef>
+          <a:fontRef idx="minor">
+            <a:schemeClr val="lt1"/>
+          </a:fontRef>
+        </p:style>
+        <p:txBody>
+          <a:bodyPr rtlCol="0" anchor="ctr"/>
+          <a:lstStyle/>
+          <a:p>
+            <a:pPr algn="ctr"/>
+            <a:endParaRPr lang="ko-KR" altLang="en-US"/>
+          </a:p>
+        </p:txBody>
+      </p:sp>
+      <p:cxnSp>
+        <p:nvCxnSpPr>
+          <p:cNvPr id="14" name="직선 연결선 13"/>
+          <p:cNvCxnSpPr/>
+          <p:nvPr/>
+        </p:nvCxnSpPr>
+        <p:spPr>
+          <a:xfrm>
+            <a:off x="1475656" y="332656"/>
+            <a:ext cx="0" cy="792088"/>
+          </a:xfrm>
+          <a:prstGeom prst="line">
+            <a:avLst/>
+          </a:prstGeom>
+          <a:ln w="38100">
+            <a:solidFill>
+              <a:schemeClr val="tx1"/>
+            </a:solidFill>
+          </a:ln>
+        </p:spPr>
+        <p:style>
+          <a:lnRef idx="1">
+            <a:schemeClr val="accent1"/>
+          </a:lnRef>
+          <a:fillRef idx="0">
+            <a:schemeClr val="accent1"/>
+          </a:fillRef>
+          <a:effectRef idx="0">
+            <a:schemeClr val="accent1"/>
+          </a:effectRef>
+          <a:fontRef idx="minor">
+            <a:schemeClr val="tx1"/>
+          </a:fontRef>
+        </p:style>
+      </p:cxnSp>
+      <p:cxnSp>
+        <p:nvCxnSpPr>
+          <p:cNvPr id="15" name="직선 연결선 14"/>
+          <p:cNvCxnSpPr/>
+          <p:nvPr/>
+        </p:nvCxnSpPr>
+        <p:spPr>
+          <a:xfrm>
+            <a:off x="2771800" y="332656"/>
+            <a:ext cx="0" cy="792088"/>
+          </a:xfrm>
+          <a:prstGeom prst="line">
+            <a:avLst/>
+          </a:prstGeom>
+          <a:ln w="38100">
+            <a:solidFill>
+              <a:schemeClr val="tx1"/>
+            </a:solidFill>
+          </a:ln>
+        </p:spPr>
+        <p:style>
+          <a:lnRef idx="1">
+            <a:schemeClr val="accent1"/>
+          </a:lnRef>
+          <a:fillRef idx="0">
+            <a:schemeClr val="accent1"/>
+          </a:fillRef>
+          <a:effectRef idx="0">
+            <a:schemeClr val="accent1"/>
+          </a:effectRef>
+          <a:fontRef idx="minor">
+            <a:schemeClr val="tx1"/>
+          </a:fontRef>
+        </p:style>
+      </p:cxnSp>
+      <p:cxnSp>
+        <p:nvCxnSpPr>
+          <p:cNvPr id="17" name="직선 연결선 16"/>
+          <p:cNvCxnSpPr/>
+          <p:nvPr/>
+        </p:nvCxnSpPr>
+        <p:spPr>
+          <a:xfrm>
+            <a:off x="1475656" y="1124744"/>
+            <a:ext cx="1296144" cy="0"/>
+          </a:xfrm>
+          <a:prstGeom prst="line">
+            <a:avLst/>
+          </a:prstGeom>
+          <a:ln w="38100">
+            <a:solidFill>
+              <a:schemeClr val="tx1"/>
+            </a:solidFill>
+          </a:ln>
+        </p:spPr>
+        <p:style>
+          <a:lnRef idx="1">
+            <a:schemeClr val="accent1"/>
+          </a:lnRef>
+          <a:fillRef idx="0">
+            <a:schemeClr val="accent1"/>
+          </a:fillRef>
+          <a:effectRef idx="0">
+            <a:schemeClr val="accent1"/>
+          </a:effectRef>
+          <a:fontRef idx="minor">
+            <a:schemeClr val="tx1"/>
+          </a:fontRef>
+        </p:style>
+      </p:cxnSp>
+      <p:sp>
+        <p:nvSpPr>
+          <p:cNvPr id="20" name="사각형 설명선 19"/>
+          <p:cNvSpPr/>
+          <p:nvPr/>
+        </p:nvSpPr>
+        <p:spPr>
+          <a:xfrm rot="5400000">
+            <a:off x="4427984" y="188640"/>
+            <a:ext cx="4248472" cy="4680520"/>
+          </a:xfrm>
+          <a:prstGeom prst="wedgeRectCallout">
+            <a:avLst>
+              <a:gd name="adj1" fmla="val -33519"/>
+              <a:gd name="adj2" fmla="val 67009"/>
+            </a:avLst>
+          </a:prstGeom>
+          <a:noFill/>
+        </p:spPr>
+        <p:style>
+          <a:lnRef idx="2">
+            <a:schemeClr val="accent1">
+              <a:shade val="50000"/>
+            </a:schemeClr>
+          </a:lnRef>
+          <a:fillRef idx="1">
+            <a:schemeClr val="accent1"/>
+          </a:fillRef>
+          <a:effectRef idx="0">
+            <a:schemeClr val="accent1"/>
+          </a:effectRef>
+          <a:fontRef idx="minor">
+            <a:schemeClr val="lt1"/>
+          </a:fontRef>
+        </p:style>
+        <p:txBody>
+          <a:bodyPr rtlCol="0" anchor="ctr"/>
+          <a:lstStyle/>
+          <a:p>
+            <a:pPr algn="ctr"/>
+            <a:endParaRPr lang="ko-KR" altLang="en-US"/>
+          </a:p>
+        </p:txBody>
+      </p:sp>
+      <p:sp>
+        <p:nvSpPr>
+          <p:cNvPr id="21" name="순서도: 지연 20"/>
+          <p:cNvSpPr/>
+          <p:nvPr/>
+        </p:nvSpPr>
+        <p:spPr>
+          <a:xfrm rot="16200000">
+            <a:off x="5544108" y="224644"/>
+            <a:ext cx="2088232" cy="3888432"/>
+          </a:xfrm>
+          <a:prstGeom prst="flowChartDelay">
+            <a:avLst/>
+          </a:prstGeom>
+          <a:solidFill>
+            <a:schemeClr val="accent6">
+              <a:lumMod val="40000"/>
+              <a:lumOff val="60000"/>
+            </a:schemeClr>
+          </a:solidFill>
+        </p:spPr>
+        <p:style>
+          <a:lnRef idx="2">
+            <a:schemeClr val="accent1">
+              <a:shade val="50000"/>
+            </a:schemeClr>
+          </a:lnRef>
+          <a:fillRef idx="1">
+            <a:schemeClr val="accent1"/>
+          </a:fillRef>
+          <a:effectRef idx="0">
+            <a:schemeClr val="accent1"/>
+          </a:effectRef>
+          <a:fontRef idx="minor">
+            <a:schemeClr val="lt1"/>
+          </a:fontRef>
+        </p:style>
+        <p:txBody>
+          <a:bodyPr rtlCol="0" anchor="ctr"/>
+          <a:lstStyle/>
+          <a:p>
+            <a:pPr algn="ctr"/>
+            <a:endParaRPr lang="ko-KR" altLang="en-US"/>
+          </a:p>
+        </p:txBody>
+      </p:sp>
+      <p:sp>
+        <p:nvSpPr>
+          <p:cNvPr id="22" name="순서도: 지연 21"/>
+          <p:cNvSpPr/>
+          <p:nvPr/>
+        </p:nvSpPr>
+        <p:spPr>
+          <a:xfrm rot="16200000">
+            <a:off x="5593922" y="282842"/>
+            <a:ext cx="1952600" cy="3924436"/>
+          </a:xfrm>
+          <a:prstGeom prst="flowChartDelay">
+            <a:avLst/>
+          </a:prstGeom>
+          <a:solidFill>
+            <a:schemeClr val="accent6">
+              <a:lumMod val="40000"/>
+              <a:lumOff val="60000"/>
+            </a:schemeClr>
+          </a:solidFill>
+        </p:spPr>
+        <p:style>
+          <a:lnRef idx="2">
+            <a:schemeClr val="accent1">
+              <a:shade val="50000"/>
+            </a:schemeClr>
+          </a:lnRef>
+          <a:fillRef idx="1">
+            <a:schemeClr val="accent1"/>
+          </a:fillRef>
+          <a:effectRef idx="0">
+            <a:schemeClr val="accent1"/>
+          </a:effectRef>
+          <a:fontRef idx="minor">
+            <a:schemeClr val="lt1"/>
+          </a:fontRef>
+        </p:style>
+        <p:txBody>
+          <a:bodyPr rtlCol="0" anchor="ctr"/>
+          <a:lstStyle/>
+          <a:p>
+            <a:pPr algn="ctr"/>
+            <a:endParaRPr lang="ko-KR" altLang="en-US"/>
+          </a:p>
+        </p:txBody>
+      </p:sp>
+      <p:sp>
+        <p:nvSpPr>
+          <p:cNvPr id="23" name="타원 22"/>
+          <p:cNvSpPr/>
+          <p:nvPr/>
+        </p:nvSpPr>
+        <p:spPr>
+          <a:xfrm>
+            <a:off x="6516216" y="1124744"/>
+            <a:ext cx="144016" cy="117727"/>
+          </a:xfrm>
+          <a:prstGeom prst="ellipse">
+            <a:avLst/>
+          </a:prstGeom>
+          <a:solidFill>
+            <a:schemeClr val="accent6">
+              <a:lumMod val="60000"/>
+              <a:lumOff val="40000"/>
+            </a:schemeClr>
+          </a:solidFill>
+        </p:spPr>
+        <p:style>
+          <a:lnRef idx="2">
+            <a:schemeClr val="accent1">
+              <a:shade val="50000"/>
+            </a:schemeClr>
+          </a:lnRef>
+          <a:fillRef idx="1">
+            <a:schemeClr val="accent1"/>
+          </a:fillRef>
+          <a:effectRef idx="0">
+            <a:schemeClr val="accent1"/>
+          </a:effectRef>
+          <a:fontRef idx="minor">
+            <a:schemeClr val="lt1"/>
+          </a:fontRef>
+        </p:style>
+        <p:txBody>
+          <a:bodyPr rtlCol="0" anchor="ctr"/>
+          <a:lstStyle/>
+          <a:p>
+            <a:pPr algn="ctr"/>
+            <a:endParaRPr lang="ko-KR" altLang="en-US"/>
+          </a:p>
+        </p:txBody>
+      </p:sp>
+      <p:sp>
+        <p:nvSpPr>
+          <p:cNvPr id="24" name="직사각형 23"/>
+          <p:cNvSpPr/>
+          <p:nvPr/>
+        </p:nvSpPr>
+        <p:spPr>
+          <a:xfrm>
+            <a:off x="6012160" y="2060848"/>
+            <a:ext cx="1152128" cy="720080"/>
+          </a:xfrm>
+          <a:prstGeom prst="rect">
+            <a:avLst/>
+          </a:prstGeom>
+        </p:spPr>
+        <p:style>
+          <a:lnRef idx="2">
+            <a:schemeClr val="accent1">
+              <a:shade val="50000"/>
+            </a:schemeClr>
+          </a:lnRef>
+          <a:fillRef idx="1">
+            <a:schemeClr val="accent1"/>
+          </a:fillRef>
+          <a:effectRef idx="0">
+            <a:schemeClr val="accent1"/>
+          </a:effectRef>
+          <a:fontRef idx="minor">
+            <a:schemeClr val="lt1"/>
+          </a:fontRef>
+        </p:style>
+        <p:txBody>
+          <a:bodyPr rtlCol="0" anchor="ctr"/>
+          <a:lstStyle/>
+          <a:p>
+            <a:pPr algn="ctr"/>
+            <a:endParaRPr lang="ko-KR" altLang="en-US"/>
+          </a:p>
+        </p:txBody>
+      </p:sp>
+      <p:sp>
+        <p:nvSpPr>
+          <p:cNvPr id="25" name="직사각형 24"/>
+          <p:cNvSpPr/>
+          <p:nvPr/>
+        </p:nvSpPr>
+        <p:spPr>
+          <a:xfrm>
+            <a:off x="5868144" y="2132856"/>
+            <a:ext cx="1440160" cy="576064"/>
+          </a:xfrm>
+          <a:prstGeom prst="rect">
+            <a:avLst/>
+          </a:prstGeom>
+        </p:spPr>
+        <p:style>
+          <a:lnRef idx="2">
+            <a:schemeClr val="accent1">
+              <a:shade val="50000"/>
+            </a:schemeClr>
+          </a:lnRef>
+          <a:fillRef idx="1">
+            <a:schemeClr val="accent1"/>
+          </a:fillRef>
+          <a:effectRef idx="0">
+            <a:schemeClr val="accent1"/>
+          </a:effectRef>
+          <a:fontRef idx="minor">
+            <a:schemeClr val="lt1"/>
+          </a:fontRef>
+        </p:style>
+        <p:txBody>
+          <a:bodyPr rtlCol="0" anchor="ctr"/>
+          <a:lstStyle/>
+          <a:p>
+            <a:pPr algn="ctr"/>
+            <a:endParaRPr lang="ko-KR" altLang="en-US"/>
+          </a:p>
+        </p:txBody>
+      </p:sp>
+      <p:sp>
+        <p:nvSpPr>
+          <p:cNvPr id="29" name="자유형 28"/>
+          <p:cNvSpPr/>
+          <p:nvPr/>
+        </p:nvSpPr>
+        <p:spPr>
+          <a:xfrm>
+            <a:off x="5493239" y="2348880"/>
+            <a:ext cx="350715" cy="1465384"/>
+          </a:xfrm>
+          <a:custGeom>
+            <a:avLst/>
+            <a:gdLst>
+              <a:gd name="connsiteX0" fmla="*/ 350715 w 350715"/>
+              <a:gd name="connsiteY0" fmla="*/ 0 h 1465384"/>
+              <a:gd name="connsiteX1" fmla="*/ 34192 w 350715"/>
+              <a:gd name="connsiteY1" fmla="*/ 509954 h 1465384"/>
+              <a:gd name="connsiteX2" fmla="*/ 145561 w 350715"/>
+              <a:gd name="connsiteY2" fmla="*/ 1465384 h 1465384"/>
+            </a:gdLst>
+            <a:ahLst/>
+            <a:cxnLst>
+              <a:cxn ang="0">
+                <a:pos x="connsiteX0" y="connsiteY0"/>
+              </a:cxn>
+              <a:cxn ang="0">
+                <a:pos x="connsiteX1" y="connsiteY1"/>
+              </a:cxn>
+              <a:cxn ang="0">
+                <a:pos x="connsiteX2" y="connsiteY2"/>
+              </a:cxn>
+            </a:cxnLst>
+            <a:rect l="l" t="t" r="r" b="b"/>
+            <a:pathLst>
+              <a:path w="350715" h="1465384">
+                <a:moveTo>
+                  <a:pt x="350715" y="0"/>
+                </a:moveTo>
+                <a:cubicBezTo>
+                  <a:pt x="209549" y="132861"/>
+                  <a:pt x="68384" y="265723"/>
+                  <a:pt x="34192" y="509954"/>
+                </a:cubicBezTo>
+                <a:cubicBezTo>
+                  <a:pt x="0" y="754185"/>
+                  <a:pt x="72780" y="1109784"/>
+                  <a:pt x="145561" y="1465384"/>
+                </a:cubicBezTo>
+              </a:path>
+            </a:pathLst>
+          </a:custGeom>
+          <a:ln w="57150">
+            <a:solidFill>
+              <a:schemeClr val="accent6">
+                <a:lumMod val="50000"/>
+              </a:schemeClr>
+            </a:solidFill>
+          </a:ln>
+        </p:spPr>
+        <p:style>
+          <a:lnRef idx="1">
+            <a:schemeClr val="accent1"/>
+          </a:lnRef>
+          <a:fillRef idx="0">
+            <a:schemeClr val="accent1"/>
+          </a:fillRef>
+          <a:effectRef idx="0">
+            <a:schemeClr val="accent1"/>
+          </a:effectRef>
+          <a:fontRef idx="minor">
+            <a:schemeClr val="tx1"/>
+          </a:fontRef>
+        </p:style>
+        <p:txBody>
+          <a:bodyPr rtlCol="0" anchor="ctr"/>
+          <a:lstStyle/>
+          <a:p>
+            <a:pPr algn="ctr"/>
+            <a:endParaRPr lang="ko-KR" altLang="en-US"/>
+          </a:p>
+        </p:txBody>
+      </p:sp>
+      <p:sp>
+        <p:nvSpPr>
+          <p:cNvPr id="30" name="자유형 29"/>
+          <p:cNvSpPr/>
+          <p:nvPr/>
+        </p:nvSpPr>
+        <p:spPr>
+          <a:xfrm>
+            <a:off x="5508104" y="2467672"/>
+            <a:ext cx="350715" cy="1465384"/>
+          </a:xfrm>
+          <a:custGeom>
+            <a:avLst/>
+            <a:gdLst>
+              <a:gd name="connsiteX0" fmla="*/ 350715 w 350715"/>
+              <a:gd name="connsiteY0" fmla="*/ 0 h 1465384"/>
+              <a:gd name="connsiteX1" fmla="*/ 34192 w 350715"/>
+              <a:gd name="connsiteY1" fmla="*/ 509954 h 1465384"/>
+              <a:gd name="connsiteX2" fmla="*/ 145561 w 350715"/>
+              <a:gd name="connsiteY2" fmla="*/ 1465384 h 1465384"/>
+            </a:gdLst>
+            <a:ahLst/>
+            <a:cxnLst>
+              <a:cxn ang="0">
+                <a:pos x="connsiteX0" y="connsiteY0"/>
+              </a:cxn>
+              <a:cxn ang="0">
+                <a:pos x="connsiteX1" y="connsiteY1"/>
+              </a:cxn>
+              <a:cxn ang="0">
+                <a:pos x="connsiteX2" y="connsiteY2"/>
+              </a:cxn>
+            </a:cxnLst>
+            <a:rect l="l" t="t" r="r" b="b"/>
+            <a:pathLst>
+              <a:path w="350715" h="1465384">
+                <a:moveTo>
+                  <a:pt x="350715" y="0"/>
+                </a:moveTo>
+                <a:cubicBezTo>
+                  <a:pt x="209549" y="132861"/>
+                  <a:pt x="68384" y="265723"/>
+                  <a:pt x="34192" y="509954"/>
+                </a:cubicBezTo>
+                <a:cubicBezTo>
+                  <a:pt x="0" y="754185"/>
+                  <a:pt x="72780" y="1109784"/>
+                  <a:pt x="145561" y="1465384"/>
+                </a:cubicBezTo>
+              </a:path>
+            </a:pathLst>
+          </a:custGeom>
+          <a:ln w="57150">
+            <a:solidFill>
+              <a:srgbClr val="FF0000"/>
+            </a:solidFill>
+          </a:ln>
+        </p:spPr>
+        <p:style>
+          <a:lnRef idx="1">
+            <a:schemeClr val="accent1"/>
+          </a:lnRef>
+          <a:fillRef idx="0">
+            <a:schemeClr val="accent1"/>
+          </a:fillRef>
+          <a:effectRef idx="0">
+            <a:schemeClr val="accent1"/>
+          </a:effectRef>
+          <a:fontRef idx="minor">
+            <a:schemeClr val="tx1"/>
+          </a:fontRef>
+        </p:style>
+        <p:txBody>
+          <a:bodyPr rtlCol="0" anchor="ctr"/>
+          <a:lstStyle/>
+          <a:p>
+            <a:pPr algn="ctr"/>
+            <a:endParaRPr lang="ko-KR" altLang="en-US"/>
+          </a:p>
+        </p:txBody>
+      </p:sp>
+      <p:sp>
+        <p:nvSpPr>
+          <p:cNvPr id="31" name="자유형 30"/>
+          <p:cNvSpPr/>
+          <p:nvPr/>
+        </p:nvSpPr>
+        <p:spPr>
+          <a:xfrm>
+            <a:off x="5508104" y="2611688"/>
+            <a:ext cx="350715" cy="1465384"/>
+          </a:xfrm>
+          <a:custGeom>
+            <a:avLst/>
+            <a:gdLst>
+              <a:gd name="connsiteX0" fmla="*/ 350715 w 350715"/>
+              <a:gd name="connsiteY0" fmla="*/ 0 h 1465384"/>
+              <a:gd name="connsiteX1" fmla="*/ 34192 w 350715"/>
+              <a:gd name="connsiteY1" fmla="*/ 509954 h 1465384"/>
+              <a:gd name="connsiteX2" fmla="*/ 145561 w 350715"/>
+              <a:gd name="connsiteY2" fmla="*/ 1465384 h 1465384"/>
+            </a:gdLst>
+            <a:ahLst/>
+            <a:cxnLst>
+              <a:cxn ang="0">
+                <a:pos x="connsiteX0" y="connsiteY0"/>
+              </a:cxn>
+              <a:cxn ang="0">
+                <a:pos x="connsiteX1" y="connsiteY1"/>
+              </a:cxn>
+              <a:cxn ang="0">
+                <a:pos x="connsiteX2" y="connsiteY2"/>
+              </a:cxn>
+            </a:cxnLst>
+            <a:rect l="l" t="t" r="r" b="b"/>
+            <a:pathLst>
+              <a:path w="350715" h="1465384">
+                <a:moveTo>
+                  <a:pt x="350715" y="0"/>
+                </a:moveTo>
+                <a:cubicBezTo>
+                  <a:pt x="209549" y="132861"/>
+                  <a:pt x="68384" y="265723"/>
+                  <a:pt x="34192" y="509954"/>
+                </a:cubicBezTo>
+                <a:cubicBezTo>
+                  <a:pt x="0" y="754185"/>
+                  <a:pt x="72780" y="1109784"/>
+                  <a:pt x="145561" y="1465384"/>
+                </a:cubicBezTo>
+              </a:path>
+            </a:pathLst>
+          </a:custGeom>
+          <a:ln w="57150">
+            <a:solidFill>
+              <a:schemeClr val="accent6"/>
+            </a:solidFill>
+          </a:ln>
+        </p:spPr>
+        <p:style>
+          <a:lnRef idx="1">
+            <a:schemeClr val="accent1"/>
+          </a:lnRef>
+          <a:fillRef idx="0">
+            <a:schemeClr val="accent1"/>
+          </a:fillRef>
+          <a:effectRef idx="0">
+            <a:schemeClr val="accent1"/>
+          </a:effectRef>
+          <a:fontRef idx="minor">
+            <a:schemeClr val="tx1"/>
+          </a:fontRef>
+        </p:style>
+        <p:txBody>
+          <a:bodyPr rtlCol="0" anchor="ctr"/>
+          <a:lstStyle/>
+          <a:p>
+            <a:pPr algn="ctr"/>
+            <a:endParaRPr lang="ko-KR" altLang="en-US"/>
+          </a:p>
+        </p:txBody>
+      </p:sp>
+      <p:sp>
+        <p:nvSpPr>
+          <p:cNvPr id="32" name="타원 31"/>
+          <p:cNvSpPr/>
+          <p:nvPr/>
+        </p:nvSpPr>
+        <p:spPr>
+          <a:xfrm rot="20433954">
+            <a:off x="6516216" y="2150397"/>
+            <a:ext cx="1008112" cy="216024"/>
+          </a:xfrm>
+          <a:prstGeom prst="ellipse">
+            <a:avLst/>
+          </a:prstGeom>
+          <a:solidFill>
+            <a:schemeClr val="bg1"/>
+          </a:solidFill>
+          <a:ln>
+            <a:solidFill>
+              <a:schemeClr val="bg1"/>
+            </a:solidFill>
+          </a:ln>
+        </p:spPr>
+        <p:style>
+          <a:lnRef idx="2">
+            <a:schemeClr val="accent1">
+              <a:shade val="50000"/>
+            </a:schemeClr>
+          </a:lnRef>
+          <a:fillRef idx="1">
+            <a:schemeClr val="accent1"/>
+          </a:fillRef>
+          <a:effectRef idx="0">
+            <a:schemeClr val="accent1"/>
+          </a:effectRef>
+          <a:fontRef idx="minor">
+            <a:schemeClr val="lt1"/>
+          </a:fontRef>
+        </p:style>
+        <p:txBody>
+          <a:bodyPr rtlCol="0" anchor="ctr"/>
+          <a:lstStyle/>
+          <a:p>
+            <a:pPr algn="ctr"/>
+            <a:endParaRPr lang="ko-KR" altLang="en-US"/>
+          </a:p>
+        </p:txBody>
+      </p:sp>
+      <p:cxnSp>
+        <p:nvCxnSpPr>
+          <p:cNvPr id="34" name="직선 연결선 33"/>
+          <p:cNvCxnSpPr>
+            <a:stCxn id="32" idx="6"/>
+          </p:cNvCxnSpPr>
+          <p:nvPr/>
+        </p:nvCxnSpPr>
+        <p:spPr>
+          <a:xfrm flipV="1">
+            <a:off x="7495609" y="1772816"/>
+            <a:ext cx="748799" cy="317882"/>
+          </a:xfrm>
+          <a:prstGeom prst="line">
+            <a:avLst/>
+          </a:prstGeom>
+          <a:ln w="19050">
+            <a:solidFill>
+              <a:schemeClr val="tx1"/>
+            </a:solidFill>
+          </a:ln>
+        </p:spPr>
+        <p:style>
+          <a:lnRef idx="1">
+            <a:schemeClr val="accent1"/>
+          </a:lnRef>
+          <a:fillRef idx="0">
+            <a:schemeClr val="accent1"/>
+          </a:fillRef>
+          <a:effectRef idx="0">
+            <a:schemeClr val="accent1"/>
+          </a:effectRef>
+          <a:fontRef idx="minor">
+            <a:schemeClr val="tx1"/>
+          </a:fontRef>
+        </p:style>
+      </p:cxnSp>
+      <p:cxnSp>
+        <p:nvCxnSpPr>
+          <p:cNvPr id="36" name="직선 연결선 35"/>
+          <p:cNvCxnSpPr/>
+          <p:nvPr/>
+        </p:nvCxnSpPr>
+        <p:spPr>
+          <a:xfrm flipH="1">
+            <a:off x="4644008" y="1628800"/>
+            <a:ext cx="432048" cy="792088"/>
+          </a:xfrm>
+          <a:prstGeom prst="line">
+            <a:avLst/>
+          </a:prstGeom>
+          <a:ln w="38100">
+            <a:solidFill>
+              <a:srgbClr val="FFC000"/>
+            </a:solidFill>
+          </a:ln>
+        </p:spPr>
+        <p:style>
+          <a:lnRef idx="1">
+            <a:schemeClr val="accent1"/>
+          </a:lnRef>
+          <a:fillRef idx="0">
+            <a:schemeClr val="accent1"/>
+          </a:fillRef>
+          <a:effectRef idx="0">
+            <a:schemeClr val="accent1"/>
+          </a:effectRef>
+          <a:fontRef idx="minor">
+            <a:schemeClr val="tx1"/>
+          </a:fontRef>
+        </p:style>
+      </p:cxnSp>
+      <p:sp>
+        <p:nvSpPr>
+          <p:cNvPr id="50" name="아래쪽 리본 49"/>
+          <p:cNvSpPr/>
+          <p:nvPr/>
+        </p:nvSpPr>
+        <p:spPr>
+          <a:xfrm>
+            <a:off x="3779912" y="5229200"/>
+            <a:ext cx="5184576" cy="1080120"/>
+          </a:xfrm>
+          <a:prstGeom prst="ribbon">
+            <a:avLst>
+              <a:gd name="adj1" fmla="val 20466"/>
+              <a:gd name="adj2" fmla="val 50000"/>
+            </a:avLst>
+          </a:prstGeom>
+          <a:solidFill>
+            <a:srgbClr val="FFFF00"/>
+          </a:solidFill>
+        </p:spPr>
+        <p:style>
+          <a:lnRef idx="2">
+            <a:schemeClr val="accent1">
+              <a:shade val="50000"/>
+            </a:schemeClr>
+          </a:lnRef>
+          <a:fillRef idx="1">
+            <a:schemeClr val="accent1"/>
+          </a:fillRef>
+          <a:effectRef idx="0">
+            <a:schemeClr val="accent1"/>
+          </a:effectRef>
+          <a:fontRef idx="minor">
+            <a:schemeClr val="lt1"/>
+          </a:fontRef>
+        </p:style>
+        <p:txBody>
+          <a:bodyPr rtlCol="0" anchor="ctr"/>
+          <a:lstStyle/>
+          <a:p>
+            <a:pPr algn="ctr"/>
+            <a:endParaRPr lang="ko-KR" altLang="en-US"/>
+          </a:p>
+        </p:txBody>
+      </p:sp>
+      <p:sp>
+        <p:nvSpPr>
+          <p:cNvPr id="51" name="TextBox 50"/>
           <p:cNvSpPr txBox="1"/>
           <p:nvPr/>
         </p:nvSpPr>
         <p:spPr>
           <a:xfrm>
-            <a:off x="323528" y="1340768"/>
-            <a:ext cx="8424936" cy="5016758"/>
+            <a:off x="5220072" y="5723964"/>
+            <a:ext cx="2592288" cy="400110"/>
           </a:xfrm>
           <a:prstGeom prst="rect">
             <a:avLst/>
@@ -4507,122 +6396,84 @@
           <a:lstStyle/>
           <a:p>
             <a:r>
-              <a:rPr lang="ko-KR" altLang="en-US" sz="3200" dirty="0" smtClean="0"/>
-              <a:t>작성일</a:t>
-            </a:r>
-            <a:r>
-              <a:rPr lang="en-US" altLang="ko-KR" sz="3200" dirty="0" smtClean="0"/>
-              <a:t>: 2017</a:t>
-            </a:r>
-            <a:r>
-              <a:rPr lang="ko-KR" altLang="en-US" sz="3200" dirty="0" smtClean="0"/>
-              <a:t>년</a:t>
-            </a:r>
-            <a:r>
-              <a:rPr lang="en-US" altLang="ko-KR" sz="3200" dirty="0" smtClean="0"/>
-              <a:t> 9</a:t>
-            </a:r>
-            <a:r>
-              <a:rPr lang="ko-KR" altLang="en-US" sz="3200" dirty="0" smtClean="0"/>
-              <a:t>월</a:t>
-            </a:r>
-            <a:r>
-              <a:rPr lang="en-US" altLang="ko-KR" sz="3200" dirty="0" smtClean="0"/>
-              <a:t> 7</a:t>
-            </a:r>
-            <a:r>
-              <a:rPr lang="ko-KR" altLang="en-US" sz="3200" dirty="0" smtClean="0"/>
-              <a:t>일</a:t>
-            </a:r>
-            <a:endParaRPr lang="en-US" altLang="ko-KR" sz="3200" dirty="0" smtClean="0"/>
-          </a:p>
-          <a:p>
-            <a:endParaRPr lang="en-US" altLang="ko-KR" sz="3200" dirty="0" smtClean="0"/>
-          </a:p>
-          <a:p>
-            <a:r>
-              <a:rPr lang="ko-KR" altLang="en-US" sz="3200" dirty="0" smtClean="0"/>
-              <a:t>작성인</a:t>
-            </a:r>
-            <a:r>
-              <a:rPr lang="en-US" altLang="ko-KR" sz="3200" dirty="0" smtClean="0"/>
-              <a:t>: </a:t>
-            </a:r>
-            <a:r>
-              <a:rPr lang="ko-KR" altLang="en-US" sz="3200" dirty="0" smtClean="0"/>
-              <a:t>최광현 </a:t>
-            </a:r>
-            <a:endParaRPr lang="en-US" altLang="ko-KR" sz="3200" dirty="0" smtClean="0"/>
-          </a:p>
-          <a:p>
-            <a:endParaRPr lang="en-US" altLang="ko-KR" sz="3200" dirty="0" smtClean="0"/>
-          </a:p>
-          <a:p>
-            <a:r>
-              <a:rPr lang="ko-KR" altLang="en-US" sz="3200" dirty="0" smtClean="0"/>
-              <a:t>내용</a:t>
-            </a:r>
-            <a:r>
-              <a:rPr lang="en-US" altLang="ko-KR" sz="3200" dirty="0" smtClean="0"/>
-              <a:t>: </a:t>
-            </a:r>
-            <a:r>
-              <a:rPr lang="ko-KR" altLang="en-US" sz="3200" dirty="0" smtClean="0"/>
-              <a:t>쓰레기통 뚜</a:t>
-            </a:r>
-            <a:r>
-              <a:rPr lang="ko-KR" altLang="en-US" sz="3200" dirty="0" smtClean="0"/>
-              <a:t>껑</a:t>
-            </a:r>
-            <a:r>
-              <a:rPr lang="ko-KR" altLang="en-US" sz="3200" dirty="0" smtClean="0"/>
-              <a:t>에 </a:t>
-            </a:r>
-            <a:r>
-              <a:rPr lang="ko-KR" altLang="en-US" sz="3200" dirty="0" err="1" smtClean="0"/>
+              <a:rPr lang="ko-KR" altLang="en-US" sz="2000" b="1" dirty="0" smtClean="0">
+                <a:effectLst>
+                  <a:outerShdw blurRad="38100" dist="38100" dir="2700000" algn="tl">
+                    <a:srgbClr val="000000">
+                      <a:alpha val="43137"/>
+                    </a:srgbClr>
+                  </a:outerShdw>
+                </a:effectLst>
+              </a:rPr>
+              <a:t>만능 쓰레기통 모습</a:t>
+            </a:r>
+            <a:endParaRPr lang="en-US" altLang="ko-KR" sz="2000" b="1" dirty="0" smtClean="0">
+              <a:effectLst>
+                <a:outerShdw blurRad="38100" dist="38100" dir="2700000" algn="tl">
+                  <a:srgbClr val="000000">
+                    <a:alpha val="43137"/>
+                  </a:srgbClr>
+                </a:outerShdw>
+              </a:effectLst>
+            </a:endParaRPr>
+          </a:p>
+        </p:txBody>
+      </p:sp>
+      <p:sp>
+        <p:nvSpPr>
+          <p:cNvPr id="52" name="TextBox 51"/>
+          <p:cNvSpPr txBox="1"/>
+          <p:nvPr/>
+        </p:nvSpPr>
+        <p:spPr>
+          <a:xfrm>
+            <a:off x="6948264" y="2708920"/>
+            <a:ext cx="1584176" cy="400110"/>
+          </a:xfrm>
+          <a:prstGeom prst="rect">
+            <a:avLst/>
+          </a:prstGeom>
+          <a:noFill/>
+        </p:spPr>
+        <p:txBody>
+          <a:bodyPr wrap="square" rtlCol="0">
+            <a:spAutoFit/>
+          </a:bodyPr>
+          <a:lstStyle/>
+          <a:p>
+            <a:r>
+              <a:rPr lang="ko-KR" altLang="en-US" sz="2000" b="1" dirty="0" err="1" smtClean="0">
+                <a:effectLst>
+                  <a:outerShdw blurRad="38100" dist="38100" dir="2700000" algn="tl">
+                    <a:srgbClr val="000000">
+                      <a:alpha val="43137"/>
+                    </a:srgbClr>
+                  </a:outerShdw>
+                </a:effectLst>
+              </a:rPr>
               <a:t>서보</a:t>
             </a:r>
             <a:r>
-              <a:rPr lang="ko-KR" altLang="en-US" sz="3200" dirty="0" smtClean="0"/>
-              <a:t> 모터를 달고 </a:t>
-            </a:r>
-            <a:r>
-              <a:rPr lang="ko-KR" altLang="en-US" sz="3200" dirty="0" err="1" smtClean="0"/>
-              <a:t>서보</a:t>
-            </a:r>
-            <a:r>
-              <a:rPr lang="ko-KR" altLang="en-US" sz="3200" dirty="0" smtClean="0"/>
-              <a:t> 모터에 낚싯줄을 연결하고 다른 쪽 낚싯줄을 쓰레기통 뚜껑에 연결한다</a:t>
-            </a:r>
-            <a:r>
-              <a:rPr lang="en-US" altLang="ko-KR" sz="3200" dirty="0" smtClean="0"/>
-              <a:t>. </a:t>
-            </a:r>
-            <a:r>
-              <a:rPr lang="ko-KR" altLang="en-US" sz="3200" dirty="0" err="1" smtClean="0"/>
-              <a:t>서보</a:t>
-            </a:r>
-            <a:r>
-              <a:rPr lang="ko-KR" altLang="en-US" sz="3200" dirty="0" smtClean="0"/>
-              <a:t> 모터가 돌아 가면서 쓰레기 통 뚜껑이 열린다</a:t>
-            </a:r>
-            <a:r>
-              <a:rPr lang="en-US" altLang="ko-KR" sz="3200" dirty="0" smtClean="0"/>
-              <a:t>.</a:t>
-            </a:r>
-            <a:r>
-              <a:rPr lang="ko-KR" altLang="en-US" sz="3200" dirty="0" smtClean="0"/>
-              <a:t> 쓰레기통에 구멍 두 개를 뚫어서 초음파 센서가 들어 갈수 있게 한다</a:t>
-            </a:r>
-            <a:r>
-              <a:rPr lang="en-US" altLang="ko-KR" sz="3200" dirty="0" smtClean="0"/>
-              <a:t>.</a:t>
-            </a:r>
-            <a:r>
-              <a:rPr lang="ko-KR" altLang="en-US" sz="3200" dirty="0" smtClean="0"/>
-              <a:t> </a:t>
-            </a:r>
-            <a:endParaRPr lang="ko-KR" altLang="en-US" sz="3200" dirty="0"/>
+              <a:rPr lang="ko-KR" altLang="en-US" sz="2000" b="1" dirty="0" smtClean="0">
+                <a:effectLst>
+                  <a:outerShdw blurRad="38100" dist="38100" dir="2700000" algn="tl">
+                    <a:srgbClr val="000000">
+                      <a:alpha val="43137"/>
+                    </a:srgbClr>
+                  </a:outerShdw>
+                </a:effectLst>
+              </a:rPr>
+              <a:t> 모터</a:t>
+            </a:r>
+            <a:endParaRPr lang="ko-KR" altLang="en-US" sz="2000" b="1" dirty="0">
+              <a:effectLst>
+                <a:outerShdw blurRad="38100" dist="38100" dir="2700000" algn="tl">
+                  <a:srgbClr val="000000">
+                    <a:alpha val="43137"/>
+                  </a:srgbClr>
+                </a:outerShdw>
+              </a:effectLst>
+            </a:endParaRPr>
           </a:p>
         </p:txBody>
       </p:sp>
@@ -4631,6 +6482,68 @@
   <p:clrMapOvr>
     <a:masterClrMapping/>
   </p:clrMapOvr>
+  <p:transition>
+    <p:wipe dir="r"/>
+  </p:transition>
+  <p:timing>
+    <p:tnLst>
+      <p:par>
+        <p:cTn id="1" dur="indefinite" restart="never" nodeType="tmRoot"/>
+      </p:par>
+    </p:tnLst>
+  </p:timing>
+</p:sld>
+</file>
+
+<file path=ppt/slides/slide9.xml><?xml version="1.0" encoding="utf-8"?>
+<p:sld xmlns:a="http://schemas.openxmlformats.org/drawingml/2006/main" xmlns:r="http://schemas.openxmlformats.org/officeDocument/2006/relationships" xmlns:p="http://schemas.openxmlformats.org/presentationml/2006/main">
+  <p:cSld>
+    <p:spTree>
+      <p:nvGrpSpPr>
+        <p:cNvPr id="1" name=""/>
+        <p:cNvGrpSpPr/>
+        <p:nvPr/>
+      </p:nvGrpSpPr>
+      <p:grpSpPr>
+        <a:xfrm>
+          <a:off x="0" y="0"/>
+          <a:ext cx="0" cy="0"/>
+          <a:chOff x="0" y="0"/>
+          <a:chExt cx="0" cy="0"/>
+        </a:xfrm>
+      </p:grpSpPr>
+      <p:pic>
+        <p:nvPicPr>
+          <p:cNvPr id="2" name="그림 1" descr="capyure.PNG"/>
+          <p:cNvPicPr>
+            <a:picLocks noChangeAspect="1"/>
+          </p:cNvPicPr>
+          <p:nvPr/>
+        </p:nvPicPr>
+        <p:blipFill>
+          <a:blip r:embed="rId2" cstate="print"/>
+          <a:stretch>
+            <a:fillRect/>
+          </a:stretch>
+        </p:blipFill>
+        <p:spPr>
+          <a:xfrm>
+            <a:off x="1" y="980728"/>
+            <a:ext cx="9159332" cy="4744584"/>
+          </a:xfrm>
+          <a:prstGeom prst="rect">
+            <a:avLst/>
+          </a:prstGeom>
+        </p:spPr>
+      </p:pic>
+    </p:spTree>
+  </p:cSld>
+  <p:clrMapOvr>
+    <a:masterClrMapping/>
+  </p:clrMapOvr>
+  <p:transition>
+    <p:wheel spokes="3"/>
+  </p:transition>
 </p:sld>
 </file>
 
